--- a/PowerPoint Slides/csc439_sprint3_final.pptx
+++ b/PowerPoint Slides/csc439_sprint3_final.pptx
@@ -20,6 +20,8 @@
     <p:sldId id="282" r:id="rId14"/>
     <p:sldId id="268" r:id="rId15"/>
     <p:sldId id="275" r:id="rId16"/>
+    <p:sldId id="283" r:id="rId17"/>
+    <p:sldId id="284" r:id="rId18"/>
   </p:sldIdLst>
   <p:sldSz cx="12192000" cy="6858000"/>
   <p:notesSz cx="6858000" cy="9144000"/>
@@ -138,6 +140,8 @@
             <p14:sldId id="282"/>
             <p14:sldId id="268"/>
             <p14:sldId id="275"/>
+            <p14:sldId id="283"/>
+            <p14:sldId id="284"/>
           </p14:sldIdLst>
         </p14:section>
         <p14:section name="Untitled Section" id="{033F9596-4340-A24B-84BB-9527C275AEB5}">
@@ -158,6 +162,113 @@
     <p1510:client id="{5228B51B-D744-4EA4-894C-A01941337CCF}" v="52" dt="2019-09-30T14:20:46.741"/>
   </p1510:revLst>
 </p1510:revInfo>
+</file>
+
+<file path=ppt/changesInfos/changesInfo1.xml><?xml version="1.0" encoding="utf-8"?>
+<pc:chgInfo xmlns:a="http://schemas.openxmlformats.org/drawingml/2006/main" xmlns:r="http://schemas.openxmlformats.org/officeDocument/2006/relationships" xmlns:ac="http://schemas.microsoft.com/office/drawing/2013/main/command" xmlns:pc="http://schemas.microsoft.com/office/powerpoint/2013/main/command">
+  <pc:docChgLst>
+    <pc:chgData name="JJ Craig" userId="403dfa2b560c16b3" providerId="LiveId" clId="{ED65A641-CA65-41CA-B6BA-3CE2C6B5B55A}"/>
+    <pc:docChg chg="undo custSel addSld modSld">
+      <pc:chgData name="JJ Craig" userId="403dfa2b560c16b3" providerId="LiveId" clId="{ED65A641-CA65-41CA-B6BA-3CE2C6B5B55A}" dt="2019-09-30T19:16:32.185" v="186" actId="20577"/>
+      <pc:docMkLst>
+        <pc:docMk/>
+      </pc:docMkLst>
+      <pc:sldChg chg="modSp">
+        <pc:chgData name="JJ Craig" userId="403dfa2b560c16b3" providerId="LiveId" clId="{ED65A641-CA65-41CA-B6BA-3CE2C6B5B55A}" dt="2019-09-30T19:12:49.771" v="20" actId="1076"/>
+        <pc:sldMkLst>
+          <pc:docMk/>
+          <pc:sldMk cId="1468032336" sldId="275"/>
+        </pc:sldMkLst>
+        <pc:spChg chg="mod">
+          <ac:chgData name="JJ Craig" userId="403dfa2b560c16b3" providerId="LiveId" clId="{ED65A641-CA65-41CA-B6BA-3CE2C6B5B55A}" dt="2019-09-30T19:12:49.771" v="20" actId="1076"/>
+          <ac:spMkLst>
+            <pc:docMk/>
+            <pc:sldMk cId="1468032336" sldId="275"/>
+            <ac:spMk id="3" creationId="{CDDE009F-4471-4F9C-BE83-99E8BEF18B8A}"/>
+          </ac:spMkLst>
+        </pc:spChg>
+      </pc:sldChg>
+      <pc:sldChg chg="addSp delSp modSp add">
+        <pc:chgData name="JJ Craig" userId="403dfa2b560c16b3" providerId="LiveId" clId="{ED65A641-CA65-41CA-B6BA-3CE2C6B5B55A}" dt="2019-09-30T19:15:17.877" v="164" actId="14100"/>
+        <pc:sldMkLst>
+          <pc:docMk/>
+          <pc:sldMk cId="4001098804" sldId="283"/>
+        </pc:sldMkLst>
+        <pc:spChg chg="mod">
+          <ac:chgData name="JJ Craig" userId="403dfa2b560c16b3" providerId="LiveId" clId="{ED65A641-CA65-41CA-B6BA-3CE2C6B5B55A}" dt="2019-09-30T19:15:11.225" v="162" actId="14100"/>
+          <ac:spMkLst>
+            <pc:docMk/>
+            <pc:sldMk cId="4001098804" sldId="283"/>
+            <ac:spMk id="2" creationId="{806764F0-CB34-4E39-A43A-A3E6DFC78746}"/>
+          </ac:spMkLst>
+        </pc:spChg>
+        <pc:spChg chg="del mod">
+          <ac:chgData name="JJ Craig" userId="403dfa2b560c16b3" providerId="LiveId" clId="{ED65A641-CA65-41CA-B6BA-3CE2C6B5B55A}" dt="2019-09-30T19:13:37.561" v="26"/>
+          <ac:spMkLst>
+            <pc:docMk/>
+            <pc:sldMk cId="4001098804" sldId="283"/>
+            <ac:spMk id="3" creationId="{B8C4E588-D634-4FEB-888E-19CB07EEC7C1}"/>
+          </ac:spMkLst>
+        </pc:spChg>
+        <pc:spChg chg="add">
+          <ac:chgData name="JJ Craig" userId="403dfa2b560c16b3" providerId="LiveId" clId="{ED65A641-CA65-41CA-B6BA-3CE2C6B5B55A}" dt="2019-09-30T19:14:52.194" v="136"/>
+          <ac:spMkLst>
+            <pc:docMk/>
+            <pc:sldMk cId="4001098804" sldId="283"/>
+            <ac:spMk id="6" creationId="{A8F9BECF-1A8F-479B-A196-1D977CC0DCA7}"/>
+          </ac:spMkLst>
+        </pc:spChg>
+        <pc:picChg chg="add mod">
+          <ac:chgData name="JJ Craig" userId="403dfa2b560c16b3" providerId="LiveId" clId="{ED65A641-CA65-41CA-B6BA-3CE2C6B5B55A}" dt="2019-09-30T19:15:14.489" v="163" actId="14100"/>
+          <ac:picMkLst>
+            <pc:docMk/>
+            <pc:sldMk cId="4001098804" sldId="283"/>
+            <ac:picMk id="4" creationId="{2A7B11AE-8584-4635-8477-706CB4F07085}"/>
+          </ac:picMkLst>
+        </pc:picChg>
+        <pc:picChg chg="add mod">
+          <ac:chgData name="JJ Craig" userId="403dfa2b560c16b3" providerId="LiveId" clId="{ED65A641-CA65-41CA-B6BA-3CE2C6B5B55A}" dt="2019-09-30T19:15:17.877" v="164" actId="14100"/>
+          <ac:picMkLst>
+            <pc:docMk/>
+            <pc:sldMk cId="4001098804" sldId="283"/>
+            <ac:picMk id="5" creationId="{BD054CE3-6256-40DF-B706-40486FD68EA0}"/>
+          </ac:picMkLst>
+        </pc:picChg>
+      </pc:sldChg>
+      <pc:sldChg chg="addSp delSp modSp add">
+        <pc:chgData name="JJ Craig" userId="403dfa2b560c16b3" providerId="LiveId" clId="{ED65A641-CA65-41CA-B6BA-3CE2C6B5B55A}" dt="2019-09-30T19:16:32.185" v="186" actId="20577"/>
+        <pc:sldMkLst>
+          <pc:docMk/>
+          <pc:sldMk cId="3599578087" sldId="284"/>
+        </pc:sldMkLst>
+        <pc:spChg chg="mod">
+          <ac:chgData name="JJ Craig" userId="403dfa2b560c16b3" providerId="LiveId" clId="{ED65A641-CA65-41CA-B6BA-3CE2C6B5B55A}" dt="2019-09-30T19:16:32.185" v="186" actId="20577"/>
+          <ac:spMkLst>
+            <pc:docMk/>
+            <pc:sldMk cId="3599578087" sldId="284"/>
+            <ac:spMk id="2" creationId="{4C5E04F2-7680-4720-ABA2-4A6427CA214E}"/>
+          </ac:spMkLst>
+        </pc:spChg>
+        <pc:spChg chg="del">
+          <ac:chgData name="JJ Craig" userId="403dfa2b560c16b3" providerId="LiveId" clId="{ED65A641-CA65-41CA-B6BA-3CE2C6B5B55A}" dt="2019-09-30T19:16:07.877" v="166"/>
+          <ac:spMkLst>
+            <pc:docMk/>
+            <pc:sldMk cId="3599578087" sldId="284"/>
+            <ac:spMk id="3" creationId="{696EC1FA-CD16-4AB6-A748-577D3C8E8F66}"/>
+          </ac:spMkLst>
+        </pc:spChg>
+        <pc:picChg chg="add mod">
+          <ac:chgData name="JJ Craig" userId="403dfa2b560c16b3" providerId="LiveId" clId="{ED65A641-CA65-41CA-B6BA-3CE2C6B5B55A}" dt="2019-09-30T19:16:22.238" v="170" actId="1076"/>
+          <ac:picMkLst>
+            <pc:docMk/>
+            <pc:sldMk cId="3599578087" sldId="284"/>
+            <ac:picMk id="4" creationId="{40020C02-D3B7-4480-B2FA-2D38091D6DCC}"/>
+          </ac:picMkLst>
+        </pc:picChg>
+      </pc:sldChg>
+    </pc:docChg>
+  </pc:docChgLst>
+</pc:chgInfo>
 </file>
 
 <file path=ppt/slideLayouts/slideLayout1.xml><?xml version="1.0" encoding="utf-8"?>
@@ -330,7 +441,7 @@
             <a:fld id="{87DE6118-2437-4B30-8E3C-4D2BE6020583}" type="datetimeFigureOut">
               <a:rPr lang="en-US" dirty="0"/>
               <a:pPr/>
-              <a:t>9/29/2019</a:t>
+              <a:t>9/30/2019</a:t>
             </a:fld>
             <a:endParaRPr lang="en-US" dirty="0"/>
           </a:p>
@@ -656,7 +767,7 @@
           <a:p>
             <a:fld id="{87DE6118-2437-4B30-8E3C-4D2BE6020583}" type="datetimeFigureOut">
               <a:rPr lang="en-US" dirty="0"/>
-              <a:t>9/29/2019</a:t>
+              <a:t>9/30/2019</a:t>
             </a:fld>
             <a:endParaRPr lang="en-US" dirty="0"/>
           </a:p>
@@ -831,7 +942,7 @@
           <a:p>
             <a:fld id="{87DE6118-2437-4B30-8E3C-4D2BE6020583}" type="datetimeFigureOut">
               <a:rPr lang="en-US" dirty="0"/>
-              <a:t>9/29/2019</a:t>
+              <a:t>9/30/2019</a:t>
             </a:fld>
             <a:endParaRPr lang="en-US" dirty="0"/>
           </a:p>
@@ -996,7 +1107,7 @@
           <a:p>
             <a:fld id="{87DE6118-2437-4B30-8E3C-4D2BE6020583}" type="datetimeFigureOut">
               <a:rPr lang="en-US" dirty="0"/>
-              <a:t>9/29/2019</a:t>
+              <a:t>9/30/2019</a:t>
             </a:fld>
             <a:endParaRPr lang="en-US" dirty="0"/>
           </a:p>
@@ -1269,7 +1380,7 @@
             <a:fld id="{87DE6118-2437-4B30-8E3C-4D2BE6020583}" type="datetimeFigureOut">
               <a:rPr lang="en-US" dirty="0"/>
               <a:pPr/>
-              <a:t>9/29/2019</a:t>
+              <a:t>9/30/2019</a:t>
             </a:fld>
             <a:endParaRPr lang="en-US" dirty="0"/>
           </a:p>
@@ -1659,7 +1770,7 @@
           <a:p>
             <a:fld id="{87DE6118-2437-4B30-8E3C-4D2BE6020583}" type="datetimeFigureOut">
               <a:rPr lang="en-US" dirty="0"/>
-              <a:t>9/29/2019</a:t>
+              <a:t>9/30/2019</a:t>
             </a:fld>
             <a:endParaRPr lang="en-US" dirty="0"/>
           </a:p>
@@ -2131,7 +2242,7 @@
           <a:p>
             <a:fld id="{87DE6118-2437-4B30-8E3C-4D2BE6020583}" type="datetimeFigureOut">
               <a:rPr lang="en-US" dirty="0"/>
-              <a:t>9/29/2019</a:t>
+              <a:t>9/30/2019</a:t>
             </a:fld>
             <a:endParaRPr lang="en-US" dirty="0"/>
           </a:p>
@@ -2244,7 +2355,7 @@
           <a:p>
             <a:fld id="{87DE6118-2437-4B30-8E3C-4D2BE6020583}" type="datetimeFigureOut">
               <a:rPr lang="en-US" dirty="0"/>
-              <a:t>9/29/2019</a:t>
+              <a:t>9/30/2019</a:t>
             </a:fld>
             <a:endParaRPr lang="en-US" dirty="0"/>
           </a:p>
@@ -2334,7 +2445,7 @@
           <a:p>
             <a:fld id="{87DE6118-2437-4B30-8E3C-4D2BE6020583}" type="datetimeFigureOut">
               <a:rPr lang="en-US" dirty="0"/>
-              <a:t>9/29/2019</a:t>
+              <a:t>9/30/2019</a:t>
             </a:fld>
             <a:endParaRPr lang="en-US" dirty="0"/>
           </a:p>
@@ -2676,7 +2787,7 @@
             <a:fld id="{87DE6118-2437-4B30-8E3C-4D2BE6020583}" type="datetimeFigureOut">
               <a:rPr lang="en-US" dirty="0"/>
               <a:pPr/>
-              <a:t>9/29/2019</a:t>
+              <a:t>9/30/2019</a:t>
             </a:fld>
             <a:endParaRPr lang="en-US" dirty="0"/>
           </a:p>
@@ -3061,7 +3172,7 @@
             <a:fld id="{87DE6118-2437-4B30-8E3C-4D2BE6020583}" type="datetimeFigureOut">
               <a:rPr lang="en-US" dirty="0"/>
               <a:pPr/>
-              <a:t>9/29/2019</a:t>
+              <a:t>9/30/2019</a:t>
             </a:fld>
             <a:endParaRPr lang="en-US" dirty="0"/>
           </a:p>
@@ -3336,7 +3447,7 @@
             <a:fld id="{87DE6118-2437-4B30-8E3C-4D2BE6020583}" type="datetimeFigureOut">
               <a:rPr lang="en-US" dirty="0"/>
               <a:pPr/>
-              <a:t>9/29/2019</a:t>
+              <a:t>9/30/2019</a:t>
             </a:fld>
             <a:endParaRPr lang="en-US" dirty="0"/>
           </a:p>
@@ -4617,12 +4728,73 @@
             <p:ph idx="1"/>
           </p:nvPr>
         </p:nvSpPr>
-        <p:spPr/>
-        <p:txBody>
-          <a:bodyPr/>
+        <p:spPr>
+          <a:xfrm>
+            <a:off x="1371600" y="1786466"/>
+            <a:ext cx="9601200" cy="4411133"/>
+          </a:xfrm>
+        </p:spPr>
+        <p:txBody>
+          <a:bodyPr>
+            <a:normAutofit lnSpcReduction="10000"/>
+          </a:bodyPr>
           <a:lstStyle/>
           <a:p>
+            <a:r>
+              <a:rPr lang="en-US" dirty="0"/>
+              <a:t>Tasks: </a:t>
+            </a:r>
+            <a:br>
+              <a:rPr lang="en-US" dirty="0"/>
+            </a:br>
+            <a:r>
+              <a:rPr lang="en-US" dirty="0"/>
+              <a:t>1. Add a create new user link on the login form</a:t>
+            </a:r>
+          </a:p>
+          <a:p>
             <a:endParaRPr lang="en-US" dirty="0"/>
+          </a:p>
+          <a:p>
+            <a:r>
+              <a:rPr lang="en-US" dirty="0"/>
+              <a:t>2. Implemented the login form for users to create accounts if not already signed up</a:t>
+            </a:r>
+          </a:p>
+          <a:p>
+            <a:endParaRPr lang="en-US" dirty="0"/>
+          </a:p>
+          <a:p>
+            <a:r>
+              <a:rPr lang="en-US" dirty="0"/>
+              <a:t>3. Once the user has an account, they can then login with their username and password.</a:t>
+            </a:r>
+          </a:p>
+          <a:p>
+            <a:endParaRPr lang="en-US" dirty="0"/>
+          </a:p>
+          <a:p>
+            <a:r>
+              <a:rPr lang="en-US" dirty="0"/>
+              <a:t>4. For next sprint, the login button needs to switch to logout once a user is logged in. Also to make error messages look more professional.</a:t>
+            </a:r>
+          </a:p>
+          <a:p>
+            <a:endParaRPr lang="en-US" dirty="0"/>
+          </a:p>
+          <a:p>
+            <a:r>
+              <a:rPr lang="en-US" dirty="0"/>
+              <a:t>5. Need to implement password hashing. PostgreSQL uses </a:t>
+            </a:r>
+            <a:r>
+              <a:rPr lang="en-US" dirty="0" err="1"/>
+              <a:t>pg_crypto</a:t>
+            </a:r>
+            <a:r>
+              <a:rPr lang="en-US" dirty="0"/>
+              <a:t> for this.</a:t>
+            </a:r>
           </a:p>
         </p:txBody>
       </p:sp>
@@ -4630,6 +4802,259 @@
     <p:extLst>
       <p:ext uri="{BB962C8B-B14F-4D97-AF65-F5344CB8AC3E}">
         <p14:creationId xmlns:p14="http://schemas.microsoft.com/office/powerpoint/2010/main" val="1468032336"/>
+      </p:ext>
+    </p:extLst>
+  </p:cSld>
+  <p:clrMapOvr>
+    <a:masterClrMapping/>
+  </p:clrMapOvr>
+</p:sld>
+</file>
+
+<file path=ppt/slides/slide16.xml><?xml version="1.0" encoding="utf-8"?>
+<p:sld xmlns:a="http://schemas.openxmlformats.org/drawingml/2006/main" xmlns:r="http://schemas.openxmlformats.org/officeDocument/2006/relationships" xmlns:p="http://schemas.openxmlformats.org/presentationml/2006/main">
+  <p:cSld>
+    <p:spTree>
+      <p:nvGrpSpPr>
+        <p:cNvPr id="1" name=""/>
+        <p:cNvGrpSpPr/>
+        <p:nvPr/>
+      </p:nvGrpSpPr>
+      <p:grpSpPr>
+        <a:xfrm>
+          <a:off x="0" y="0"/>
+          <a:ext cx="0" cy="0"/>
+          <a:chOff x="0" y="0"/>
+          <a:chExt cx="0" cy="0"/>
+        </a:xfrm>
+      </p:grpSpPr>
+      <p:sp>
+        <p:nvSpPr>
+          <p:cNvPr id="2" name="Title 1">
+            <a:extLst>
+              <a:ext uri="{FF2B5EF4-FFF2-40B4-BE49-F238E27FC236}">
+                <a16:creationId xmlns:a16="http://schemas.microsoft.com/office/drawing/2014/main" id="{806764F0-CB34-4E39-A43A-A3E6DFC78746}"/>
+              </a:ext>
+            </a:extLst>
+          </p:cNvPr>
+          <p:cNvSpPr>
+            <a:spLocks noGrp="1"/>
+          </p:cNvSpPr>
+          <p:nvPr>
+            <p:ph type="title"/>
+          </p:nvPr>
+        </p:nvSpPr>
+        <p:spPr>
+          <a:xfrm>
+            <a:off x="1371600" y="685800"/>
+            <a:ext cx="9601200" cy="816429"/>
+          </a:xfrm>
+        </p:spPr>
+        <p:txBody>
+          <a:bodyPr/>
+          <a:lstStyle/>
+          <a:p>
+            <a:r>
+              <a:rPr lang="en-US" dirty="0"/>
+              <a:t>SCM Manager: Zach Sprague</a:t>
+            </a:r>
+          </a:p>
+        </p:txBody>
+      </p:sp>
+      <p:pic>
+        <p:nvPicPr>
+          <p:cNvPr id="4" name="Content Placeholder 3">
+            <a:extLst>
+              <a:ext uri="{FF2B5EF4-FFF2-40B4-BE49-F238E27FC236}">
+                <a16:creationId xmlns:a16="http://schemas.microsoft.com/office/drawing/2014/main" id="{2A7B11AE-8584-4635-8477-706CB4F07085}"/>
+              </a:ext>
+            </a:extLst>
+          </p:cNvPr>
+          <p:cNvPicPr>
+            <a:picLocks noGrp="1" noChangeAspect="1"/>
+          </p:cNvPicPr>
+          <p:nvPr>
+            <p:ph idx="1"/>
+          </p:nvPr>
+        </p:nvPicPr>
+        <p:blipFill>
+          <a:blip r:embed="rId2"/>
+          <a:stretch>
+            <a:fillRect/>
+          </a:stretch>
+        </p:blipFill>
+        <p:spPr>
+          <a:xfrm>
+            <a:off x="1388744" y="1502229"/>
+            <a:ext cx="3464672" cy="4365171"/>
+          </a:xfrm>
+          <a:prstGeom prst="rect">
+            <a:avLst/>
+          </a:prstGeom>
+        </p:spPr>
+      </p:pic>
+      <p:pic>
+        <p:nvPicPr>
+          <p:cNvPr id="5" name="Content Placeholder 4">
+            <a:extLst>
+              <a:ext uri="{FF2B5EF4-FFF2-40B4-BE49-F238E27FC236}">
+                <a16:creationId xmlns:a16="http://schemas.microsoft.com/office/drawing/2014/main" id="{BD054CE3-6256-40DF-B706-40486FD68EA0}"/>
+              </a:ext>
+            </a:extLst>
+          </p:cNvPr>
+          <p:cNvPicPr>
+            <a:picLocks noChangeAspect="1"/>
+          </p:cNvPicPr>
+          <p:nvPr/>
+        </p:nvPicPr>
+        <p:blipFill>
+          <a:blip r:embed="rId3"/>
+          <a:stretch>
+            <a:fillRect/>
+          </a:stretch>
+        </p:blipFill>
+        <p:spPr>
+          <a:xfrm>
+            <a:off x="6762004" y="1352939"/>
+            <a:ext cx="3974583" cy="4514461"/>
+          </a:xfrm>
+          <a:prstGeom prst="rect">
+            <a:avLst/>
+          </a:prstGeom>
+        </p:spPr>
+      </p:pic>
+      <p:sp>
+        <p:nvSpPr>
+          <p:cNvPr id="6" name="TextBox 5">
+            <a:extLst>
+              <a:ext uri="{FF2B5EF4-FFF2-40B4-BE49-F238E27FC236}">
+                <a16:creationId xmlns:a16="http://schemas.microsoft.com/office/drawing/2014/main" id="{A8F9BECF-1A8F-479B-A196-1D977CC0DCA7}"/>
+              </a:ext>
+            </a:extLst>
+          </p:cNvPr>
+          <p:cNvSpPr txBox="1"/>
+          <p:nvPr/>
+        </p:nvSpPr>
+        <p:spPr>
+          <a:xfrm>
+            <a:off x="1845425" y="6143105"/>
+            <a:ext cx="8891162" cy="276999"/>
+          </a:xfrm>
+          <a:prstGeom prst="rect">
+            <a:avLst/>
+          </a:prstGeom>
+          <a:noFill/>
+        </p:spPr>
+        <p:txBody>
+          <a:bodyPr wrap="square" rtlCol="0">
+            <a:spAutoFit/>
+          </a:bodyPr>
+          <a:lstStyle/>
+          <a:p>
+            <a:r>
+              <a:rPr lang="en-US" sz="1200" dirty="0">
+                <a:hlinkClick r:id="rId4"/>
+              </a:rPr>
+              <a:t>https://github.com/Jake25k/CSC439/commit/936dd8c58106aa56d24f16705420f8a74779a960</a:t>
+            </a:r>
+            <a:endParaRPr lang="en-US" sz="1200" dirty="0"/>
+          </a:p>
+        </p:txBody>
+      </p:sp>
+    </p:spTree>
+    <p:extLst>
+      <p:ext uri="{BB962C8B-B14F-4D97-AF65-F5344CB8AC3E}">
+        <p14:creationId xmlns:p14="http://schemas.microsoft.com/office/powerpoint/2010/main" val="4001098804"/>
+      </p:ext>
+    </p:extLst>
+  </p:cSld>
+  <p:clrMapOvr>
+    <a:masterClrMapping/>
+  </p:clrMapOvr>
+</p:sld>
+</file>
+
+<file path=ppt/slides/slide17.xml><?xml version="1.0" encoding="utf-8"?>
+<p:sld xmlns:a="http://schemas.openxmlformats.org/drawingml/2006/main" xmlns:r="http://schemas.openxmlformats.org/officeDocument/2006/relationships" xmlns:p="http://schemas.openxmlformats.org/presentationml/2006/main">
+  <p:cSld>
+    <p:spTree>
+      <p:nvGrpSpPr>
+        <p:cNvPr id="1" name=""/>
+        <p:cNvGrpSpPr/>
+        <p:nvPr/>
+      </p:nvGrpSpPr>
+      <p:grpSpPr>
+        <a:xfrm>
+          <a:off x="0" y="0"/>
+          <a:ext cx="0" cy="0"/>
+          <a:chOff x="0" y="0"/>
+          <a:chExt cx="0" cy="0"/>
+        </a:xfrm>
+      </p:grpSpPr>
+      <p:sp>
+        <p:nvSpPr>
+          <p:cNvPr id="2" name="Title 1">
+            <a:extLst>
+              <a:ext uri="{FF2B5EF4-FFF2-40B4-BE49-F238E27FC236}">
+                <a16:creationId xmlns:a16="http://schemas.microsoft.com/office/drawing/2014/main" id="{4C5E04F2-7680-4720-ABA2-4A6427CA214E}"/>
+              </a:ext>
+            </a:extLst>
+          </p:cNvPr>
+          <p:cNvSpPr>
+            <a:spLocks noGrp="1"/>
+          </p:cNvSpPr>
+          <p:nvPr>
+            <p:ph type="title"/>
+          </p:nvPr>
+        </p:nvSpPr>
+        <p:spPr/>
+        <p:txBody>
+          <a:bodyPr/>
+          <a:lstStyle/>
+          <a:p>
+            <a:r>
+              <a:rPr lang="en-US" dirty="0"/>
+              <a:t>Create New Users</a:t>
+            </a:r>
+          </a:p>
+        </p:txBody>
+      </p:sp>
+      <p:pic>
+        <p:nvPicPr>
+          <p:cNvPr id="4" name="Content Placeholder 4">
+            <a:extLst>
+              <a:ext uri="{FF2B5EF4-FFF2-40B4-BE49-F238E27FC236}">
+                <a16:creationId xmlns:a16="http://schemas.microsoft.com/office/drawing/2014/main" id="{40020C02-D3B7-4480-B2FA-2D38091D6DCC}"/>
+              </a:ext>
+            </a:extLst>
+          </p:cNvPr>
+          <p:cNvPicPr>
+            <a:picLocks noGrp="1" noChangeAspect="1"/>
+          </p:cNvPicPr>
+          <p:nvPr>
+            <p:ph idx="1"/>
+          </p:nvPr>
+        </p:nvPicPr>
+        <p:blipFill>
+          <a:blip r:embed="rId2"/>
+          <a:stretch>
+            <a:fillRect/>
+          </a:stretch>
+        </p:blipFill>
+        <p:spPr>
+          <a:xfrm>
+            <a:off x="6285445" y="550507"/>
+            <a:ext cx="3185125" cy="6102220"/>
+          </a:xfrm>
+          <a:prstGeom prst="rect">
+            <a:avLst/>
+          </a:prstGeom>
+        </p:spPr>
+      </p:pic>
+    </p:spTree>
+    <p:extLst>
+      <p:ext uri="{BB962C8B-B14F-4D97-AF65-F5344CB8AC3E}">
+        <p14:creationId xmlns:p14="http://schemas.microsoft.com/office/powerpoint/2010/main" val="3599578087"/>
       </p:ext>
     </p:extLst>
   </p:cSld>

--- a/PowerPoint Slides/csc439_sprint3_final.pptx
+++ b/PowerPoint Slides/csc439_sprint3_final.pptx
@@ -19,9 +19,8 @@
     <p:sldId id="262" r:id="rId13"/>
     <p:sldId id="282" r:id="rId14"/>
     <p:sldId id="268" r:id="rId15"/>
-    <p:sldId id="275" r:id="rId16"/>
-    <p:sldId id="283" r:id="rId17"/>
-    <p:sldId id="284" r:id="rId18"/>
+    <p:sldId id="283" r:id="rId16"/>
+    <p:sldId id="275" r:id="rId17"/>
   </p:sldIdLst>
   <p:sldSz cx="12192000" cy="6858000"/>
   <p:notesSz cx="6858000" cy="9144000"/>
@@ -139,9 +138,8 @@
             <p14:sldId id="262"/>
             <p14:sldId id="282"/>
             <p14:sldId id="268"/>
+            <p14:sldId id="283"/>
             <p14:sldId id="275"/>
-            <p14:sldId id="283"/>
-            <p14:sldId id="284"/>
           </p14:sldIdLst>
         </p14:section>
         <p14:section name="Untitled Section" id="{033F9596-4340-A24B-84BB-9527C275AEB5}">
@@ -162,113 +160,6 @@
     <p1510:client id="{5228B51B-D744-4EA4-894C-A01941337CCF}" v="52" dt="2019-09-30T14:20:46.741"/>
   </p1510:revLst>
 </p1510:revInfo>
-</file>
-
-<file path=ppt/changesInfos/changesInfo1.xml><?xml version="1.0" encoding="utf-8"?>
-<pc:chgInfo xmlns:a="http://schemas.openxmlformats.org/drawingml/2006/main" xmlns:r="http://schemas.openxmlformats.org/officeDocument/2006/relationships" xmlns:ac="http://schemas.microsoft.com/office/drawing/2013/main/command" xmlns:pc="http://schemas.microsoft.com/office/powerpoint/2013/main/command">
-  <pc:docChgLst>
-    <pc:chgData name="JJ Craig" userId="403dfa2b560c16b3" providerId="LiveId" clId="{ED65A641-CA65-41CA-B6BA-3CE2C6B5B55A}"/>
-    <pc:docChg chg="undo custSel addSld modSld">
-      <pc:chgData name="JJ Craig" userId="403dfa2b560c16b3" providerId="LiveId" clId="{ED65A641-CA65-41CA-B6BA-3CE2C6B5B55A}" dt="2019-09-30T19:16:32.185" v="186" actId="20577"/>
-      <pc:docMkLst>
-        <pc:docMk/>
-      </pc:docMkLst>
-      <pc:sldChg chg="modSp">
-        <pc:chgData name="JJ Craig" userId="403dfa2b560c16b3" providerId="LiveId" clId="{ED65A641-CA65-41CA-B6BA-3CE2C6B5B55A}" dt="2019-09-30T19:12:49.771" v="20" actId="1076"/>
-        <pc:sldMkLst>
-          <pc:docMk/>
-          <pc:sldMk cId="1468032336" sldId="275"/>
-        </pc:sldMkLst>
-        <pc:spChg chg="mod">
-          <ac:chgData name="JJ Craig" userId="403dfa2b560c16b3" providerId="LiveId" clId="{ED65A641-CA65-41CA-B6BA-3CE2C6B5B55A}" dt="2019-09-30T19:12:49.771" v="20" actId="1076"/>
-          <ac:spMkLst>
-            <pc:docMk/>
-            <pc:sldMk cId="1468032336" sldId="275"/>
-            <ac:spMk id="3" creationId="{CDDE009F-4471-4F9C-BE83-99E8BEF18B8A}"/>
-          </ac:spMkLst>
-        </pc:spChg>
-      </pc:sldChg>
-      <pc:sldChg chg="addSp delSp modSp add">
-        <pc:chgData name="JJ Craig" userId="403dfa2b560c16b3" providerId="LiveId" clId="{ED65A641-CA65-41CA-B6BA-3CE2C6B5B55A}" dt="2019-09-30T19:15:17.877" v="164" actId="14100"/>
-        <pc:sldMkLst>
-          <pc:docMk/>
-          <pc:sldMk cId="4001098804" sldId="283"/>
-        </pc:sldMkLst>
-        <pc:spChg chg="mod">
-          <ac:chgData name="JJ Craig" userId="403dfa2b560c16b3" providerId="LiveId" clId="{ED65A641-CA65-41CA-B6BA-3CE2C6B5B55A}" dt="2019-09-30T19:15:11.225" v="162" actId="14100"/>
-          <ac:spMkLst>
-            <pc:docMk/>
-            <pc:sldMk cId="4001098804" sldId="283"/>
-            <ac:spMk id="2" creationId="{806764F0-CB34-4E39-A43A-A3E6DFC78746}"/>
-          </ac:spMkLst>
-        </pc:spChg>
-        <pc:spChg chg="del mod">
-          <ac:chgData name="JJ Craig" userId="403dfa2b560c16b3" providerId="LiveId" clId="{ED65A641-CA65-41CA-B6BA-3CE2C6B5B55A}" dt="2019-09-30T19:13:37.561" v="26"/>
-          <ac:spMkLst>
-            <pc:docMk/>
-            <pc:sldMk cId="4001098804" sldId="283"/>
-            <ac:spMk id="3" creationId="{B8C4E588-D634-4FEB-888E-19CB07EEC7C1}"/>
-          </ac:spMkLst>
-        </pc:spChg>
-        <pc:spChg chg="add">
-          <ac:chgData name="JJ Craig" userId="403dfa2b560c16b3" providerId="LiveId" clId="{ED65A641-CA65-41CA-B6BA-3CE2C6B5B55A}" dt="2019-09-30T19:14:52.194" v="136"/>
-          <ac:spMkLst>
-            <pc:docMk/>
-            <pc:sldMk cId="4001098804" sldId="283"/>
-            <ac:spMk id="6" creationId="{A8F9BECF-1A8F-479B-A196-1D977CC0DCA7}"/>
-          </ac:spMkLst>
-        </pc:spChg>
-        <pc:picChg chg="add mod">
-          <ac:chgData name="JJ Craig" userId="403dfa2b560c16b3" providerId="LiveId" clId="{ED65A641-CA65-41CA-B6BA-3CE2C6B5B55A}" dt="2019-09-30T19:15:14.489" v="163" actId="14100"/>
-          <ac:picMkLst>
-            <pc:docMk/>
-            <pc:sldMk cId="4001098804" sldId="283"/>
-            <ac:picMk id="4" creationId="{2A7B11AE-8584-4635-8477-706CB4F07085}"/>
-          </ac:picMkLst>
-        </pc:picChg>
-        <pc:picChg chg="add mod">
-          <ac:chgData name="JJ Craig" userId="403dfa2b560c16b3" providerId="LiveId" clId="{ED65A641-CA65-41CA-B6BA-3CE2C6B5B55A}" dt="2019-09-30T19:15:17.877" v="164" actId="14100"/>
-          <ac:picMkLst>
-            <pc:docMk/>
-            <pc:sldMk cId="4001098804" sldId="283"/>
-            <ac:picMk id="5" creationId="{BD054CE3-6256-40DF-B706-40486FD68EA0}"/>
-          </ac:picMkLst>
-        </pc:picChg>
-      </pc:sldChg>
-      <pc:sldChg chg="addSp delSp modSp add">
-        <pc:chgData name="JJ Craig" userId="403dfa2b560c16b3" providerId="LiveId" clId="{ED65A641-CA65-41CA-B6BA-3CE2C6B5B55A}" dt="2019-09-30T19:16:32.185" v="186" actId="20577"/>
-        <pc:sldMkLst>
-          <pc:docMk/>
-          <pc:sldMk cId="3599578087" sldId="284"/>
-        </pc:sldMkLst>
-        <pc:spChg chg="mod">
-          <ac:chgData name="JJ Craig" userId="403dfa2b560c16b3" providerId="LiveId" clId="{ED65A641-CA65-41CA-B6BA-3CE2C6B5B55A}" dt="2019-09-30T19:16:32.185" v="186" actId="20577"/>
-          <ac:spMkLst>
-            <pc:docMk/>
-            <pc:sldMk cId="3599578087" sldId="284"/>
-            <ac:spMk id="2" creationId="{4C5E04F2-7680-4720-ABA2-4A6427CA214E}"/>
-          </ac:spMkLst>
-        </pc:spChg>
-        <pc:spChg chg="del">
-          <ac:chgData name="JJ Craig" userId="403dfa2b560c16b3" providerId="LiveId" clId="{ED65A641-CA65-41CA-B6BA-3CE2C6B5B55A}" dt="2019-09-30T19:16:07.877" v="166"/>
-          <ac:spMkLst>
-            <pc:docMk/>
-            <pc:sldMk cId="3599578087" sldId="284"/>
-            <ac:spMk id="3" creationId="{696EC1FA-CD16-4AB6-A748-577D3C8E8F66}"/>
-          </ac:spMkLst>
-        </pc:spChg>
-        <pc:picChg chg="add mod">
-          <ac:chgData name="JJ Craig" userId="403dfa2b560c16b3" providerId="LiveId" clId="{ED65A641-CA65-41CA-B6BA-3CE2C6B5B55A}" dt="2019-09-30T19:16:22.238" v="170" actId="1076"/>
-          <ac:picMkLst>
-            <pc:docMk/>
-            <pc:sldMk cId="3599578087" sldId="284"/>
-            <ac:picMk id="4" creationId="{40020C02-D3B7-4480-B2FA-2D38091D6DCC}"/>
-          </ac:picMkLst>
-        </pc:picChg>
-      </pc:sldChg>
-    </pc:docChg>
-  </pc:docChgLst>
-</pc:chgInfo>
 </file>
 
 <file path=ppt/slideLayouts/slideLayout1.xml><?xml version="1.0" encoding="utf-8"?>
@@ -4643,7 +4534,7 @@
             </a:pPr>
             <a:r>
               <a:rPr lang="en-US" dirty="0"/>
-              <a:t>Task:</a:t>
+              <a:t>Task: Modify SQL Queries to Eliminate the Possibility of SQL Injection</a:t>
             </a:r>
           </a:p>
           <a:p>
@@ -4654,6 +4545,36 @@
           </a:p>
         </p:txBody>
       </p:sp>
+      <p:pic>
+        <p:nvPicPr>
+          <p:cNvPr id="5" name="Picture 4">
+            <a:extLst>
+              <a:ext uri="{FF2B5EF4-FFF2-40B4-BE49-F238E27FC236}">
+                <a16:creationId xmlns:a16="http://schemas.microsoft.com/office/drawing/2014/main" id="{830498F1-596D-49BE-AB80-D43BC5788014}"/>
+              </a:ext>
+            </a:extLst>
+          </p:cNvPr>
+          <p:cNvPicPr>
+            <a:picLocks noChangeAspect="1"/>
+          </p:cNvPicPr>
+          <p:nvPr/>
+        </p:nvPicPr>
+        <p:blipFill>
+          <a:blip r:embed="rId2"/>
+          <a:stretch>
+            <a:fillRect/>
+          </a:stretch>
+        </p:blipFill>
+        <p:spPr>
+          <a:xfrm>
+            <a:off x="1609088" y="3095238"/>
+            <a:ext cx="9126224" cy="2772162"/>
+          </a:xfrm>
+          <a:prstGeom prst="rect">
+            <a:avLst/>
+          </a:prstGeom>
+        </p:spPr>
+      </p:pic>
     </p:spTree>
     <p:extLst>
       <p:ext uri="{BB962C8B-B14F-4D97-AF65-F5344CB8AC3E}">
@@ -4689,7 +4610,7 @@
           <p:cNvPr id="2" name="Title 1">
             <a:extLst>
               <a:ext uri="{FF2B5EF4-FFF2-40B4-BE49-F238E27FC236}">
-                <a16:creationId xmlns:a16="http://schemas.microsoft.com/office/drawing/2014/main" id="{B4DB9B26-1FC6-4919-8EBF-49D9E62E29EB}"/>
+                <a16:creationId xmlns:a16="http://schemas.microsoft.com/office/drawing/2014/main" id="{7313C04E-048C-4A6E-AE61-1AD4F0BCC42F}"/>
               </a:ext>
             </a:extLst>
           </p:cNvPr>
@@ -4707,7 +4628,7 @@
           <a:p>
             <a:r>
               <a:rPr lang="en-US" dirty="0"/>
-              <a:t>SCM Manager: Zach Sprague</a:t>
+              <a:t>Configuration Manager/Developer: Chris Wells</a:t>
             </a:r>
           </a:p>
         </p:txBody>
@@ -4717,7 +4638,7 @@
           <p:cNvPr id="3" name="Content Placeholder 2">
             <a:extLst>
               <a:ext uri="{FF2B5EF4-FFF2-40B4-BE49-F238E27FC236}">
-                <a16:creationId xmlns:a16="http://schemas.microsoft.com/office/drawing/2014/main" id="{CDDE009F-4471-4F9C-BE83-99E8BEF18B8A}"/>
+                <a16:creationId xmlns:a16="http://schemas.microsoft.com/office/drawing/2014/main" id="{1CC7617A-9BB1-41CF-A4CE-02FD091C153F}"/>
               </a:ext>
             </a:extLst>
           </p:cNvPr>
@@ -4728,80 +4649,61 @@
             <p:ph idx="1"/>
           </p:nvPr>
         </p:nvSpPr>
+        <p:spPr/>
+        <p:txBody>
+          <a:bodyPr/>
+          <a:lstStyle/>
+          <a:p>
+            <a:pPr marL="0" indent="0">
+              <a:buNone/>
+            </a:pPr>
+            <a:r>
+              <a:rPr lang="en-US" dirty="0"/>
+              <a:t>Task: Add Text Showing a Summary of Search Results</a:t>
+            </a:r>
+          </a:p>
+          <a:p>
+            <a:pPr marL="0" indent="0">
+              <a:buNone/>
+            </a:pPr>
+            <a:endParaRPr lang="en-US" dirty="0"/>
+          </a:p>
+        </p:txBody>
+      </p:sp>
+      <p:pic>
+        <p:nvPicPr>
+          <p:cNvPr id="6" name="Picture 5">
+            <a:extLst>
+              <a:ext uri="{FF2B5EF4-FFF2-40B4-BE49-F238E27FC236}">
+                <a16:creationId xmlns:a16="http://schemas.microsoft.com/office/drawing/2014/main" id="{BD8A7DD9-34AA-4D53-9445-DE59C7E21147}"/>
+              </a:ext>
+            </a:extLst>
+          </p:cNvPr>
+          <p:cNvPicPr>
+            <a:picLocks noChangeAspect="1"/>
+          </p:cNvPicPr>
+          <p:nvPr/>
+        </p:nvPicPr>
+        <p:blipFill>
+          <a:blip r:embed="rId2"/>
+          <a:stretch>
+            <a:fillRect/>
+          </a:stretch>
+        </p:blipFill>
         <p:spPr>
           <a:xfrm>
-            <a:off x="1371600" y="1786466"/>
-            <a:ext cx="9601200" cy="4411133"/>
+            <a:off x="1219200" y="3790562"/>
+            <a:ext cx="10616162" cy="1791477"/>
           </a:xfrm>
+          <a:prstGeom prst="rect">
+            <a:avLst/>
+          </a:prstGeom>
         </p:spPr>
-        <p:txBody>
-          <a:bodyPr>
-            <a:normAutofit lnSpcReduction="10000"/>
-          </a:bodyPr>
-          <a:lstStyle/>
-          <a:p>
-            <a:r>
-              <a:rPr lang="en-US" dirty="0"/>
-              <a:t>Tasks: </a:t>
-            </a:r>
-            <a:br>
-              <a:rPr lang="en-US" dirty="0"/>
-            </a:br>
-            <a:r>
-              <a:rPr lang="en-US" dirty="0"/>
-              <a:t>1. Add a create new user link on the login form</a:t>
-            </a:r>
-          </a:p>
-          <a:p>
-            <a:endParaRPr lang="en-US" dirty="0"/>
-          </a:p>
-          <a:p>
-            <a:r>
-              <a:rPr lang="en-US" dirty="0"/>
-              <a:t>2. Implemented the login form for users to create accounts if not already signed up</a:t>
-            </a:r>
-          </a:p>
-          <a:p>
-            <a:endParaRPr lang="en-US" dirty="0"/>
-          </a:p>
-          <a:p>
-            <a:r>
-              <a:rPr lang="en-US" dirty="0"/>
-              <a:t>3. Once the user has an account, they can then login with their username and password.</a:t>
-            </a:r>
-          </a:p>
-          <a:p>
-            <a:endParaRPr lang="en-US" dirty="0"/>
-          </a:p>
-          <a:p>
-            <a:r>
-              <a:rPr lang="en-US" dirty="0"/>
-              <a:t>4. For next sprint, the login button needs to switch to logout once a user is logged in. Also to make error messages look more professional.</a:t>
-            </a:r>
-          </a:p>
-          <a:p>
-            <a:endParaRPr lang="en-US" dirty="0"/>
-          </a:p>
-          <a:p>
-            <a:r>
-              <a:rPr lang="en-US" dirty="0"/>
-              <a:t>5. Need to implement password hashing. PostgreSQL uses </a:t>
-            </a:r>
-            <a:r>
-              <a:rPr lang="en-US" dirty="0" err="1"/>
-              <a:t>pg_crypto</a:t>
-            </a:r>
-            <a:r>
-              <a:rPr lang="en-US" dirty="0"/>
-              <a:t> for this.</a:t>
-            </a:r>
-          </a:p>
-        </p:txBody>
-      </p:sp>
+      </p:pic>
     </p:spTree>
     <p:extLst>
       <p:ext uri="{BB962C8B-B14F-4D97-AF65-F5344CB8AC3E}">
-        <p14:creationId xmlns:p14="http://schemas.microsoft.com/office/powerpoint/2010/main" val="1468032336"/>
+        <p14:creationId xmlns:p14="http://schemas.microsoft.com/office/powerpoint/2010/main" val="1534970669"/>
       </p:ext>
     </p:extLst>
   </p:cSld>
@@ -4833,7 +4735,7 @@
           <p:cNvPr id="2" name="Title 1">
             <a:extLst>
               <a:ext uri="{FF2B5EF4-FFF2-40B4-BE49-F238E27FC236}">
-                <a16:creationId xmlns:a16="http://schemas.microsoft.com/office/drawing/2014/main" id="{806764F0-CB34-4E39-A43A-A3E6DFC78746}"/>
+                <a16:creationId xmlns:a16="http://schemas.microsoft.com/office/drawing/2014/main" id="{B4DB9B26-1FC6-4919-8EBF-49D9E62E29EB}"/>
               </a:ext>
             </a:extLst>
           </p:cNvPr>
@@ -4844,12 +4746,7 @@
             <p:ph type="title"/>
           </p:nvPr>
         </p:nvSpPr>
-        <p:spPr>
-          <a:xfrm>
-            <a:off x="1371600" y="685800"/>
-            <a:ext cx="9601200" cy="816429"/>
-          </a:xfrm>
-        </p:spPr>
+        <p:spPr/>
         <p:txBody>
           <a:bodyPr/>
           <a:lstStyle/>
@@ -4861,200 +4758,35 @@
           </a:p>
         </p:txBody>
       </p:sp>
-      <p:pic>
-        <p:nvPicPr>
-          <p:cNvPr id="4" name="Content Placeholder 3">
+      <p:sp>
+        <p:nvSpPr>
+          <p:cNvPr id="3" name="Content Placeholder 2">
             <a:extLst>
               <a:ext uri="{FF2B5EF4-FFF2-40B4-BE49-F238E27FC236}">
-                <a16:creationId xmlns:a16="http://schemas.microsoft.com/office/drawing/2014/main" id="{2A7B11AE-8584-4635-8477-706CB4F07085}"/>
+                <a16:creationId xmlns:a16="http://schemas.microsoft.com/office/drawing/2014/main" id="{CDDE009F-4471-4F9C-BE83-99E8BEF18B8A}"/>
               </a:ext>
             </a:extLst>
           </p:cNvPr>
-          <p:cNvPicPr>
-            <a:picLocks noGrp="1" noChangeAspect="1"/>
-          </p:cNvPicPr>
+          <p:cNvSpPr>
+            <a:spLocks noGrp="1"/>
+          </p:cNvSpPr>
           <p:nvPr>
             <p:ph idx="1"/>
           </p:nvPr>
-        </p:nvPicPr>
-        <p:blipFill>
-          <a:blip r:embed="rId2"/>
-          <a:stretch>
-            <a:fillRect/>
-          </a:stretch>
-        </p:blipFill>
-        <p:spPr>
-          <a:xfrm>
-            <a:off x="1388744" y="1502229"/>
-            <a:ext cx="3464672" cy="4365171"/>
-          </a:xfrm>
-          <a:prstGeom prst="rect">
-            <a:avLst/>
-          </a:prstGeom>
-        </p:spPr>
-      </p:pic>
-      <p:pic>
-        <p:nvPicPr>
-          <p:cNvPr id="5" name="Content Placeholder 4">
-            <a:extLst>
-              <a:ext uri="{FF2B5EF4-FFF2-40B4-BE49-F238E27FC236}">
-                <a16:creationId xmlns:a16="http://schemas.microsoft.com/office/drawing/2014/main" id="{BD054CE3-6256-40DF-B706-40486FD68EA0}"/>
-              </a:ext>
-            </a:extLst>
-          </p:cNvPr>
-          <p:cNvPicPr>
-            <a:picLocks noChangeAspect="1"/>
-          </p:cNvPicPr>
-          <p:nvPr/>
-        </p:nvPicPr>
-        <p:blipFill>
-          <a:blip r:embed="rId3"/>
-          <a:stretch>
-            <a:fillRect/>
-          </a:stretch>
-        </p:blipFill>
-        <p:spPr>
-          <a:xfrm>
-            <a:off x="6762004" y="1352939"/>
-            <a:ext cx="3974583" cy="4514461"/>
-          </a:xfrm>
-          <a:prstGeom prst="rect">
-            <a:avLst/>
-          </a:prstGeom>
-        </p:spPr>
-      </p:pic>
-      <p:sp>
-        <p:nvSpPr>
-          <p:cNvPr id="6" name="TextBox 5">
-            <a:extLst>
-              <a:ext uri="{FF2B5EF4-FFF2-40B4-BE49-F238E27FC236}">
-                <a16:creationId xmlns:a16="http://schemas.microsoft.com/office/drawing/2014/main" id="{A8F9BECF-1A8F-479B-A196-1D977CC0DCA7}"/>
-              </a:ext>
-            </a:extLst>
-          </p:cNvPr>
-          <p:cNvSpPr txBox="1"/>
-          <p:nvPr/>
-        </p:nvSpPr>
-        <p:spPr>
-          <a:xfrm>
-            <a:off x="1845425" y="6143105"/>
-            <a:ext cx="8891162" cy="276999"/>
-          </a:xfrm>
-          <a:prstGeom prst="rect">
-            <a:avLst/>
-          </a:prstGeom>
-          <a:noFill/>
-        </p:spPr>
-        <p:txBody>
-          <a:bodyPr wrap="square" rtlCol="0">
-            <a:spAutoFit/>
-          </a:bodyPr>
+        </p:nvSpPr>
+        <p:spPr/>
+        <p:txBody>
+          <a:bodyPr/>
           <a:lstStyle/>
           <a:p>
-            <a:r>
-              <a:rPr lang="en-US" sz="1200" dirty="0">
-                <a:hlinkClick r:id="rId4"/>
-              </a:rPr>
-              <a:t>https://github.com/Jake25k/CSC439/commit/936dd8c58106aa56d24f16705420f8a74779a960</a:t>
-            </a:r>
-            <a:endParaRPr lang="en-US" sz="1200" dirty="0"/>
+            <a:endParaRPr lang="en-US" dirty="0"/>
           </a:p>
         </p:txBody>
       </p:sp>
     </p:spTree>
     <p:extLst>
       <p:ext uri="{BB962C8B-B14F-4D97-AF65-F5344CB8AC3E}">
-        <p14:creationId xmlns:p14="http://schemas.microsoft.com/office/powerpoint/2010/main" val="4001098804"/>
-      </p:ext>
-    </p:extLst>
-  </p:cSld>
-  <p:clrMapOvr>
-    <a:masterClrMapping/>
-  </p:clrMapOvr>
-</p:sld>
-</file>
-
-<file path=ppt/slides/slide17.xml><?xml version="1.0" encoding="utf-8"?>
-<p:sld xmlns:a="http://schemas.openxmlformats.org/drawingml/2006/main" xmlns:r="http://schemas.openxmlformats.org/officeDocument/2006/relationships" xmlns:p="http://schemas.openxmlformats.org/presentationml/2006/main">
-  <p:cSld>
-    <p:spTree>
-      <p:nvGrpSpPr>
-        <p:cNvPr id="1" name=""/>
-        <p:cNvGrpSpPr/>
-        <p:nvPr/>
-      </p:nvGrpSpPr>
-      <p:grpSpPr>
-        <a:xfrm>
-          <a:off x="0" y="0"/>
-          <a:ext cx="0" cy="0"/>
-          <a:chOff x="0" y="0"/>
-          <a:chExt cx="0" cy="0"/>
-        </a:xfrm>
-      </p:grpSpPr>
-      <p:sp>
-        <p:nvSpPr>
-          <p:cNvPr id="2" name="Title 1">
-            <a:extLst>
-              <a:ext uri="{FF2B5EF4-FFF2-40B4-BE49-F238E27FC236}">
-                <a16:creationId xmlns:a16="http://schemas.microsoft.com/office/drawing/2014/main" id="{4C5E04F2-7680-4720-ABA2-4A6427CA214E}"/>
-              </a:ext>
-            </a:extLst>
-          </p:cNvPr>
-          <p:cNvSpPr>
-            <a:spLocks noGrp="1"/>
-          </p:cNvSpPr>
-          <p:nvPr>
-            <p:ph type="title"/>
-          </p:nvPr>
-        </p:nvSpPr>
-        <p:spPr/>
-        <p:txBody>
-          <a:bodyPr/>
-          <a:lstStyle/>
-          <a:p>
-            <a:r>
-              <a:rPr lang="en-US" dirty="0"/>
-              <a:t>Create New Users</a:t>
-            </a:r>
-          </a:p>
-        </p:txBody>
-      </p:sp>
-      <p:pic>
-        <p:nvPicPr>
-          <p:cNvPr id="4" name="Content Placeholder 4">
-            <a:extLst>
-              <a:ext uri="{FF2B5EF4-FFF2-40B4-BE49-F238E27FC236}">
-                <a16:creationId xmlns:a16="http://schemas.microsoft.com/office/drawing/2014/main" id="{40020C02-D3B7-4480-B2FA-2D38091D6DCC}"/>
-              </a:ext>
-            </a:extLst>
-          </p:cNvPr>
-          <p:cNvPicPr>
-            <a:picLocks noGrp="1" noChangeAspect="1"/>
-          </p:cNvPicPr>
-          <p:nvPr>
-            <p:ph idx="1"/>
-          </p:nvPr>
-        </p:nvPicPr>
-        <p:blipFill>
-          <a:blip r:embed="rId2"/>
-          <a:stretch>
-            <a:fillRect/>
-          </a:stretch>
-        </p:blipFill>
-        <p:spPr>
-          <a:xfrm>
-            <a:off x="6285445" y="550507"/>
-            <a:ext cx="3185125" cy="6102220"/>
-          </a:xfrm>
-          <a:prstGeom prst="rect">
-            <a:avLst/>
-          </a:prstGeom>
-        </p:spPr>
-      </p:pic>
-    </p:spTree>
-    <p:extLst>
-      <p:ext uri="{BB962C8B-B14F-4D97-AF65-F5344CB8AC3E}">
-        <p14:creationId xmlns:p14="http://schemas.microsoft.com/office/powerpoint/2010/main" val="3599578087"/>
+        <p14:creationId xmlns:p14="http://schemas.microsoft.com/office/powerpoint/2010/main" val="1468032336"/>
       </p:ext>
     </p:extLst>
   </p:cSld>

--- a/PowerPoint Slides/csc439_sprint3_final.pptx
+++ b/PowerPoint Slides/csc439_sprint3_final.pptx
@@ -21,6 +21,8 @@
     <p:sldId id="268" r:id="rId15"/>
     <p:sldId id="283" r:id="rId16"/>
     <p:sldId id="275" r:id="rId17"/>
+    <p:sldId id="284" r:id="rId18"/>
+    <p:sldId id="285" r:id="rId19"/>
   </p:sldIdLst>
   <p:sldSz cx="12192000" cy="6858000"/>
   <p:notesSz cx="6858000" cy="9144000"/>
@@ -140,6 +142,8 @@
             <p14:sldId id="268"/>
             <p14:sldId id="283"/>
             <p14:sldId id="275"/>
+            <p14:sldId id="284"/>
+            <p14:sldId id="285"/>
           </p14:sldIdLst>
         </p14:section>
         <p14:section name="Untitled Section" id="{033F9596-4340-A24B-84BB-9527C275AEB5}">
@@ -160,6 +164,177 @@
     <p1510:client id="{5228B51B-D744-4EA4-894C-A01941337CCF}" v="52" dt="2019-09-30T14:20:46.741"/>
   </p1510:revLst>
 </p1510:revInfo>
+</file>
+
+<file path=ppt/changesInfos/changesInfo1.xml><?xml version="1.0" encoding="utf-8"?>
+<pc:chgInfo xmlns:a="http://schemas.openxmlformats.org/drawingml/2006/main" xmlns:r="http://schemas.openxmlformats.org/officeDocument/2006/relationships" xmlns:ac="http://schemas.microsoft.com/office/drawing/2013/main/command" xmlns:pc="http://schemas.microsoft.com/office/powerpoint/2013/main/command">
+  <pc:docChgLst>
+    <pc:chgData name="JJ Craig" userId="403dfa2b560c16b3" providerId="LiveId" clId="{ED65A641-CA65-41CA-B6BA-3CE2C6B5B55A}"/>
+    <pc:docChg chg="custSel mod addSld modSld">
+      <pc:chgData name="JJ Craig" userId="403dfa2b560c16b3" providerId="LiveId" clId="{ED65A641-CA65-41CA-B6BA-3CE2C6B5B55A}" dt="2019-09-30T19:55:39.701" v="36" actId="1076"/>
+      <pc:docMkLst>
+        <pc:docMk/>
+      </pc:docMkLst>
+      <pc:sldChg chg="modSp">
+        <pc:chgData name="JJ Craig" userId="403dfa2b560c16b3" providerId="LiveId" clId="{ED65A641-CA65-41CA-B6BA-3CE2C6B5B55A}" dt="2019-09-30T19:53:49.018" v="5" actId="27636"/>
+        <pc:sldMkLst>
+          <pc:docMk/>
+          <pc:sldMk cId="1468032336" sldId="275"/>
+        </pc:sldMkLst>
+        <pc:spChg chg="mod">
+          <ac:chgData name="JJ Craig" userId="403dfa2b560c16b3" providerId="LiveId" clId="{ED65A641-CA65-41CA-B6BA-3CE2C6B5B55A}" dt="2019-09-30T19:53:49.018" v="5" actId="27636"/>
+          <ac:spMkLst>
+            <pc:docMk/>
+            <pc:sldMk cId="1468032336" sldId="275"/>
+            <ac:spMk id="3" creationId="{CDDE009F-4471-4F9C-BE83-99E8BEF18B8A}"/>
+          </ac:spMkLst>
+        </pc:spChg>
+      </pc:sldChg>
+      <pc:sldChg chg="addSp delSp modSp add mod setBg">
+        <pc:chgData name="JJ Craig" userId="403dfa2b560c16b3" providerId="LiveId" clId="{ED65A641-CA65-41CA-B6BA-3CE2C6B5B55A}" dt="2019-09-30T19:54:59.008" v="15" actId="14100"/>
+        <pc:sldMkLst>
+          <pc:docMk/>
+          <pc:sldMk cId="1093642818" sldId="284"/>
+        </pc:sldMkLst>
+        <pc:spChg chg="del">
+          <ac:chgData name="JJ Craig" userId="403dfa2b560c16b3" providerId="LiveId" clId="{ED65A641-CA65-41CA-B6BA-3CE2C6B5B55A}" dt="2019-09-30T19:54:06.233" v="7" actId="478"/>
+          <ac:spMkLst>
+            <pc:docMk/>
+            <pc:sldMk cId="1093642818" sldId="284"/>
+            <ac:spMk id="2" creationId="{F7FF29EB-4483-456C-9FFE-EB6DFAE861E3}"/>
+          </ac:spMkLst>
+        </pc:spChg>
+        <pc:spChg chg="del">
+          <ac:chgData name="JJ Craig" userId="403dfa2b560c16b3" providerId="LiveId" clId="{ED65A641-CA65-41CA-B6BA-3CE2C6B5B55A}" dt="2019-09-30T19:54:09.108" v="8"/>
+          <ac:spMkLst>
+            <pc:docMk/>
+            <pc:sldMk cId="1093642818" sldId="284"/>
+            <ac:spMk id="3" creationId="{15BD6B90-3AD8-4284-9AD9-6DD47273147D}"/>
+          </ac:spMkLst>
+        </pc:spChg>
+        <pc:spChg chg="add mod">
+          <ac:chgData name="JJ Craig" userId="403dfa2b560c16b3" providerId="LiveId" clId="{ED65A641-CA65-41CA-B6BA-3CE2C6B5B55A}" dt="2019-09-30T19:54:59.008" v="15" actId="14100"/>
+          <ac:spMkLst>
+            <pc:docMk/>
+            <pc:sldMk cId="1093642818" sldId="284"/>
+            <ac:spMk id="6" creationId="{D1CA654D-2C07-410B-A120-666DDA00F965}"/>
+          </ac:spMkLst>
+        </pc:spChg>
+        <pc:spChg chg="add del">
+          <ac:chgData name="JJ Craig" userId="403dfa2b560c16b3" providerId="LiveId" clId="{ED65A641-CA65-41CA-B6BA-3CE2C6B5B55A}" dt="2019-09-30T19:54:26.777" v="10"/>
+          <ac:spMkLst>
+            <pc:docMk/>
+            <pc:sldMk cId="1093642818" sldId="284"/>
+            <ac:spMk id="8" creationId="{9434B082-5407-4596-A51B-83A26ACD84BB}"/>
+          </ac:spMkLst>
+        </pc:spChg>
+        <pc:spChg chg="add del">
+          <ac:chgData name="JJ Craig" userId="403dfa2b560c16b3" providerId="LiveId" clId="{ED65A641-CA65-41CA-B6BA-3CE2C6B5B55A}" dt="2019-09-30T19:54:39.666" v="11" actId="26606"/>
+          <ac:spMkLst>
+            <pc:docMk/>
+            <pc:sldMk cId="1093642818" sldId="284"/>
+            <ac:spMk id="11" creationId="{BEC9E7FA-3295-45ED-8253-D23F9E44E1DA}"/>
+          </ac:spMkLst>
+        </pc:spChg>
+        <pc:spChg chg="add">
+          <ac:chgData name="JJ Craig" userId="403dfa2b560c16b3" providerId="LiveId" clId="{ED65A641-CA65-41CA-B6BA-3CE2C6B5B55A}" dt="2019-09-30T19:54:39.666" v="11" actId="26606"/>
+          <ac:spMkLst>
+            <pc:docMk/>
+            <pc:sldMk cId="1093642818" sldId="284"/>
+            <ac:spMk id="16" creationId="{9E8A3474-A3A2-4200-9E98-3433E3D193E2}"/>
+          </ac:spMkLst>
+        </pc:spChg>
+        <pc:spChg chg="add">
+          <ac:chgData name="JJ Craig" userId="403dfa2b560c16b3" providerId="LiveId" clId="{ED65A641-CA65-41CA-B6BA-3CE2C6B5B55A}" dt="2019-09-30T19:54:39.666" v="11" actId="26606"/>
+          <ac:spMkLst>
+            <pc:docMk/>
+            <pc:sldMk cId="1093642818" sldId="284"/>
+            <ac:spMk id="18" creationId="{9A5A698B-F644-41A9-BD67-6316EDB7A951}"/>
+          </ac:spMkLst>
+        </pc:spChg>
+        <pc:spChg chg="add">
+          <ac:chgData name="JJ Craig" userId="403dfa2b560c16b3" providerId="LiveId" clId="{ED65A641-CA65-41CA-B6BA-3CE2C6B5B55A}" dt="2019-09-30T19:54:39.666" v="11" actId="26606"/>
+          <ac:spMkLst>
+            <pc:docMk/>
+            <pc:sldMk cId="1093642818" sldId="284"/>
+            <ac:spMk id="24" creationId="{35E7CCC3-B903-495C-835D-87A78FB05A01}"/>
+          </ac:spMkLst>
+        </pc:spChg>
+        <pc:spChg chg="add">
+          <ac:chgData name="JJ Craig" userId="403dfa2b560c16b3" providerId="LiveId" clId="{ED65A641-CA65-41CA-B6BA-3CE2C6B5B55A}" dt="2019-09-30T19:54:39.666" v="11" actId="26606"/>
+          <ac:spMkLst>
+            <pc:docMk/>
+            <pc:sldMk cId="1093642818" sldId="284"/>
+            <ac:spMk id="26" creationId="{584170D1-B32B-4D7D-AA30-9D84747A0574}"/>
+          </ac:spMkLst>
+        </pc:spChg>
+        <pc:grpChg chg="add">
+          <ac:chgData name="JJ Craig" userId="403dfa2b560c16b3" providerId="LiveId" clId="{ED65A641-CA65-41CA-B6BA-3CE2C6B5B55A}" dt="2019-09-30T19:54:39.666" v="11" actId="26606"/>
+          <ac:grpSpMkLst>
+            <pc:docMk/>
+            <pc:sldMk cId="1093642818" sldId="284"/>
+            <ac:grpSpMk id="20" creationId="{BA916D8B-8E5E-442C-93D2-F10B324962F3}"/>
+          </ac:grpSpMkLst>
+        </pc:grpChg>
+        <pc:picChg chg="add mod">
+          <ac:chgData name="JJ Craig" userId="403dfa2b560c16b3" providerId="LiveId" clId="{ED65A641-CA65-41CA-B6BA-3CE2C6B5B55A}" dt="2019-09-30T19:54:39.666" v="11" actId="26606"/>
+          <ac:picMkLst>
+            <pc:docMk/>
+            <pc:sldMk cId="1093642818" sldId="284"/>
+            <ac:picMk id="4" creationId="{DD9CBB7D-4045-4F8E-A093-67C5DCC05B96}"/>
+          </ac:picMkLst>
+        </pc:picChg>
+        <pc:picChg chg="add mod">
+          <ac:chgData name="JJ Craig" userId="403dfa2b560c16b3" providerId="LiveId" clId="{ED65A641-CA65-41CA-B6BA-3CE2C6B5B55A}" dt="2019-09-30T19:54:39.666" v="11" actId="26606"/>
+          <ac:picMkLst>
+            <pc:docMk/>
+            <pc:sldMk cId="1093642818" sldId="284"/>
+            <ac:picMk id="5" creationId="{A2E4E60F-D620-4BD4-802D-3192A94AB29B}"/>
+          </ac:picMkLst>
+        </pc:picChg>
+      </pc:sldChg>
+      <pc:sldChg chg="addSp delSp modSp add mod setBg">
+        <pc:chgData name="JJ Craig" userId="403dfa2b560c16b3" providerId="LiveId" clId="{ED65A641-CA65-41CA-B6BA-3CE2C6B5B55A}" dt="2019-09-30T19:55:39.701" v="36" actId="1076"/>
+        <pc:sldMkLst>
+          <pc:docMk/>
+          <pc:sldMk cId="272619349" sldId="285"/>
+        </pc:sldMkLst>
+        <pc:spChg chg="mod">
+          <ac:chgData name="JJ Craig" userId="403dfa2b560c16b3" providerId="LiveId" clId="{ED65A641-CA65-41CA-B6BA-3CE2C6B5B55A}" dt="2019-09-30T19:55:30.053" v="34" actId="14100"/>
+          <ac:spMkLst>
+            <pc:docMk/>
+            <pc:sldMk cId="272619349" sldId="285"/>
+            <ac:spMk id="2" creationId="{01415A97-64CF-479A-8C08-69CE9414607B}"/>
+          </ac:spMkLst>
+        </pc:spChg>
+        <pc:spChg chg="del">
+          <ac:chgData name="JJ Craig" userId="403dfa2b560c16b3" providerId="LiveId" clId="{ED65A641-CA65-41CA-B6BA-3CE2C6B5B55A}" dt="2019-09-30T19:55:10.803" v="17"/>
+          <ac:spMkLst>
+            <pc:docMk/>
+            <pc:sldMk cId="272619349" sldId="285"/>
+            <ac:spMk id="3" creationId="{5441A31A-ABC2-4A04-8CED-AF38D1C65D22}"/>
+          </ac:spMkLst>
+        </pc:spChg>
+        <pc:spChg chg="add del">
+          <ac:chgData name="JJ Craig" userId="403dfa2b560c16b3" providerId="LiveId" clId="{ED65A641-CA65-41CA-B6BA-3CE2C6B5B55A}" dt="2019-09-30T19:55:32.820" v="35" actId="478"/>
+          <ac:spMkLst>
+            <pc:docMk/>
+            <pc:sldMk cId="272619349" sldId="285"/>
+            <ac:spMk id="8" creationId="{AED8B59A-8E44-4681-B08A-5B278F84A142}"/>
+          </ac:spMkLst>
+        </pc:spChg>
+        <pc:picChg chg="add mod">
+          <ac:chgData name="JJ Craig" userId="403dfa2b560c16b3" providerId="LiveId" clId="{ED65A641-CA65-41CA-B6BA-3CE2C6B5B55A}" dt="2019-09-30T19:55:39.701" v="36" actId="1076"/>
+          <ac:picMkLst>
+            <pc:docMk/>
+            <pc:sldMk cId="272619349" sldId="285"/>
+            <ac:picMk id="4" creationId="{432A1234-4810-469C-87A6-7FCD2BD17607}"/>
+          </ac:picMkLst>
+        </pc:picChg>
+      </pc:sldChg>
+    </pc:docChg>
+  </pc:docChgLst>
+</pc:chgInfo>
 </file>
 
 <file path=ppt/slideLayouts/slideLayout1.xml><?xml version="1.0" encoding="utf-8"?>
@@ -4774,10 +4949,83 @@
             <p:ph idx="1"/>
           </p:nvPr>
         </p:nvSpPr>
-        <p:spPr/>
-        <p:txBody>
-          <a:bodyPr/>
+        <p:spPr>
+          <a:xfrm>
+            <a:off x="1371600" y="1411705"/>
+            <a:ext cx="9601200" cy="5446295"/>
+          </a:xfrm>
+        </p:spPr>
+        <p:txBody>
+          <a:bodyPr>
+            <a:normAutofit/>
+          </a:bodyPr>
           <a:lstStyle/>
+          <a:p>
+            <a:r>
+              <a:rPr lang="en-US" dirty="0"/>
+              <a:t>Tasks: </a:t>
+            </a:r>
+            <a:br>
+              <a:rPr lang="en-US" dirty="0"/>
+            </a:br>
+            <a:r>
+              <a:rPr lang="en-US" dirty="0"/>
+              <a:t>1. Add a create new user link on the login form</a:t>
+            </a:r>
+          </a:p>
+          <a:p>
+            <a:endParaRPr lang="en-US" dirty="0"/>
+          </a:p>
+          <a:p>
+            <a:r>
+              <a:rPr lang="en-US" dirty="0"/>
+              <a:t>2. Implemented the login form for users to create</a:t>
+            </a:r>
+          </a:p>
+          <a:p>
+            <a:r>
+              <a:rPr lang="en-US" dirty="0"/>
+              <a:t>accounts if not already signed up</a:t>
+            </a:r>
+          </a:p>
+          <a:p>
+            <a:endParaRPr lang="en-US" dirty="0"/>
+          </a:p>
+          <a:p>
+            <a:r>
+              <a:rPr lang="en-US" dirty="0"/>
+              <a:t>3. Once the user has an account, they can then login with their username and password.</a:t>
+            </a:r>
+          </a:p>
+          <a:p>
+            <a:endParaRPr lang="en-US" dirty="0"/>
+          </a:p>
+          <a:p>
+            <a:r>
+              <a:rPr lang="en-US" dirty="0"/>
+              <a:t>4. For next sprint, the login button needs to switch to logout once a user is logged in. Also to make error messages look more professional.</a:t>
+            </a:r>
+          </a:p>
+          <a:p>
+            <a:endParaRPr lang="en-US" dirty="0"/>
+          </a:p>
+          <a:p>
+            <a:r>
+              <a:rPr lang="en-US" dirty="0"/>
+              <a:t>5. Need to implement password hashing. PostgreSQL uses </a:t>
+            </a:r>
+            <a:r>
+              <a:rPr lang="en-US" dirty="0" err="1"/>
+              <a:t>pg_crypto</a:t>
+            </a:r>
+            <a:r>
+              <a:rPr lang="en-US" dirty="0"/>
+              <a:t> for this.</a:t>
+            </a:r>
+          </a:p>
+          <a:p>
+            <a:endParaRPr lang="en-US" dirty="0"/>
+          </a:p>
           <a:p>
             <a:endParaRPr lang="en-US" dirty="0"/>
           </a:p>
@@ -4787,6 +5035,666 @@
     <p:extLst>
       <p:ext uri="{BB962C8B-B14F-4D97-AF65-F5344CB8AC3E}">
         <p14:creationId xmlns:p14="http://schemas.microsoft.com/office/powerpoint/2010/main" val="1468032336"/>
+      </p:ext>
+    </p:extLst>
+  </p:cSld>
+  <p:clrMapOvr>
+    <a:masterClrMapping/>
+  </p:clrMapOvr>
+</p:sld>
+</file>
+
+<file path=ppt/slides/slide17.xml><?xml version="1.0" encoding="utf-8"?>
+<p:sld xmlns:a="http://schemas.openxmlformats.org/drawingml/2006/main" xmlns:r="http://schemas.openxmlformats.org/officeDocument/2006/relationships" xmlns:p="http://schemas.openxmlformats.org/presentationml/2006/main">
+  <p:cSld>
+    <p:bg>
+      <p:bgPr>
+        <a:solidFill>
+          <a:schemeClr val="bg2"/>
+        </a:solidFill>
+        <a:effectLst/>
+      </p:bgPr>
+    </p:bg>
+    <p:spTree>
+      <p:nvGrpSpPr>
+        <p:cNvPr id="1" name=""/>
+        <p:cNvGrpSpPr/>
+        <p:nvPr/>
+      </p:nvGrpSpPr>
+      <p:grpSpPr>
+        <a:xfrm>
+          <a:off x="0" y="0"/>
+          <a:ext cx="0" cy="0"/>
+          <a:chOff x="0" y="0"/>
+          <a:chExt cx="0" cy="0"/>
+        </a:xfrm>
+      </p:grpSpPr>
+      <p:sp>
+        <p:nvSpPr>
+          <p:cNvPr id="16" name="Rectangle 15">
+            <a:extLst>
+              <a:ext uri="{FF2B5EF4-FFF2-40B4-BE49-F238E27FC236}">
+                <a16:creationId xmlns:a16="http://schemas.microsoft.com/office/drawing/2014/main" id="{9E8A3474-A3A2-4200-9E98-3433E3D193E2}"/>
+              </a:ext>
+              <a:ext uri="{C183D7F6-B498-43B3-948B-1728B52AA6E4}">
+                <adec:decorative xmlns:adec="http://schemas.microsoft.com/office/drawing/2017/decorative" val="1"/>
+              </a:ext>
+            </a:extLst>
+          </p:cNvPr>
+          <p:cNvSpPr>
+            <a:spLocks noGrp="1" noRot="1" noChangeAspect="1" noMove="1" noResize="1" noEditPoints="1" noAdjustHandles="1" noChangeArrowheads="1" noChangeShapeType="1" noTextEdit="1"/>
+          </p:cNvSpPr>
+          <p:nvPr>
+            <p:extLst>
+              <p:ext uri="{386F3935-93C4-4BCD-93E2-E3B085C9AB24}">
+                <p16:designElem xmlns:p16="http://schemas.microsoft.com/office/powerpoint/2015/main" val="1"/>
+              </p:ext>
+            </p:extLst>
+          </p:nvPr>
+        </p:nvSpPr>
+        <p:spPr>
+          <a:xfrm>
+            <a:off x="478095" y="376"/>
+            <a:ext cx="228600" cy="6858000"/>
+          </a:xfrm>
+          <a:prstGeom prst="rect">
+            <a:avLst/>
+          </a:prstGeom>
+          <a:solidFill>
+            <a:schemeClr val="tx2"/>
+          </a:solidFill>
+          <a:ln>
+            <a:noFill/>
+          </a:ln>
+        </p:spPr>
+        <p:style>
+          <a:lnRef idx="2">
+            <a:schemeClr val="accent1">
+              <a:shade val="50000"/>
+            </a:schemeClr>
+          </a:lnRef>
+          <a:fillRef idx="1">
+            <a:schemeClr val="accent1"/>
+          </a:fillRef>
+          <a:effectRef idx="0">
+            <a:schemeClr val="accent1"/>
+          </a:effectRef>
+          <a:fontRef idx="minor">
+            <a:schemeClr val="lt1"/>
+          </a:fontRef>
+        </p:style>
+      </p:sp>
+      <p:sp>
+        <p:nvSpPr>
+          <p:cNvPr id="18" name="Rectangle 17">
+            <a:extLst>
+              <a:ext uri="{FF2B5EF4-FFF2-40B4-BE49-F238E27FC236}">
+                <a16:creationId xmlns:a16="http://schemas.microsoft.com/office/drawing/2014/main" id="{9A5A698B-F644-41A9-BD67-6316EDB7A951}"/>
+              </a:ext>
+              <a:ext uri="{C183D7F6-B498-43B3-948B-1728B52AA6E4}">
+                <adec:decorative xmlns:adec="http://schemas.microsoft.com/office/drawing/2017/decorative" val="1"/>
+              </a:ext>
+            </a:extLst>
+          </p:cNvPr>
+          <p:cNvSpPr>
+            <a:spLocks noGrp="1" noRot="1" noChangeAspect="1" noMove="1" noResize="1" noEditPoints="1" noAdjustHandles="1" noChangeArrowheads="1" noChangeShapeType="1" noTextEdit="1"/>
+          </p:cNvSpPr>
+          <p:nvPr>
+            <p:extLst>
+              <p:ext uri="{386F3935-93C4-4BCD-93E2-E3B085C9AB24}">
+                <p16:designElem xmlns:p16="http://schemas.microsoft.com/office/powerpoint/2015/main" val="1"/>
+              </p:ext>
+            </p:extLst>
+          </p:nvPr>
+        </p:nvSpPr>
+        <p:spPr>
+          <a:xfrm>
+            <a:off x="0" y="0"/>
+            <a:ext cx="12192000" cy="6858000"/>
+          </a:xfrm>
+          <a:prstGeom prst="rect">
+            <a:avLst/>
+          </a:prstGeom>
+          <a:solidFill>
+            <a:schemeClr val="bg2"/>
+          </a:solidFill>
+          <a:ln>
+            <a:noFill/>
+          </a:ln>
+        </p:spPr>
+        <p:style>
+          <a:lnRef idx="2">
+            <a:schemeClr val="accent1">
+              <a:shade val="50000"/>
+            </a:schemeClr>
+          </a:lnRef>
+          <a:fillRef idx="1">
+            <a:schemeClr val="accent1"/>
+          </a:fillRef>
+          <a:effectRef idx="0">
+            <a:schemeClr val="accent1"/>
+          </a:effectRef>
+          <a:fontRef idx="minor">
+            <a:schemeClr val="lt1"/>
+          </a:fontRef>
+        </p:style>
+        <p:txBody>
+          <a:bodyPr rtlCol="0" anchor="ctr"/>
+          <a:lstStyle/>
+          <a:p>
+            <a:pPr algn="ctr"/>
+            <a:endParaRPr lang="en-US"/>
+          </a:p>
+        </p:txBody>
+      </p:sp>
+      <p:grpSp>
+        <p:nvGrpSpPr>
+          <p:cNvPr id="20" name="Group 19">
+            <a:extLst>
+              <a:ext uri="{FF2B5EF4-FFF2-40B4-BE49-F238E27FC236}">
+                <a16:creationId xmlns:a16="http://schemas.microsoft.com/office/drawing/2014/main" id="{BA916D8B-8E5E-442C-93D2-F10B324962F3}"/>
+              </a:ext>
+              <a:ext uri="{C183D7F6-B498-43B3-948B-1728B52AA6E4}">
+                <adec:decorative xmlns:adec="http://schemas.microsoft.com/office/drawing/2017/decorative" val="1"/>
+              </a:ext>
+            </a:extLst>
+          </p:cNvPr>
+          <p:cNvGrpSpPr>
+            <a:grpSpLocks noGrp="1" noUngrp="1" noRot="1" noChangeAspect="1" noMove="1" noResize="1"/>
+          </p:cNvGrpSpPr>
+          <p:nvPr>
+            <p:extLst>
+              <p:ext uri="{386F3935-93C4-4BCD-93E2-E3B085C9AB24}">
+                <p16:designElem xmlns:p16="http://schemas.microsoft.com/office/powerpoint/2015/main" val="1"/>
+              </p:ext>
+            </p:extLst>
+          </p:nvPr>
+        </p:nvGrpSpPr>
+        <p:grpSpPr>
+          <a:xfrm>
+            <a:off x="752858" y="744469"/>
+            <a:ext cx="10674117" cy="5349671"/>
+            <a:chOff x="752858" y="744469"/>
+            <a:chExt cx="10674117" cy="5349671"/>
+          </a:xfrm>
+        </p:grpSpPr>
+        <p:sp>
+          <p:nvSpPr>
+            <p:cNvPr id="21" name="Freeform 6">
+              <a:extLst>
+                <a:ext uri="{FF2B5EF4-FFF2-40B4-BE49-F238E27FC236}">
+                  <a16:creationId xmlns:a16="http://schemas.microsoft.com/office/drawing/2014/main" id="{E444B8DA-C76F-4B2F-AFC5-378726411B52}"/>
+                </a:ext>
+                <a:ext uri="{C183D7F6-B498-43B3-948B-1728B52AA6E4}">
+                  <adec:decorative xmlns:adec="http://schemas.microsoft.com/office/drawing/2017/decorative" val="1"/>
+                </a:ext>
+              </a:extLst>
+            </p:cNvPr>
+            <p:cNvSpPr/>
+            <p:nvPr>
+              <p:extLst>
+                <p:ext uri="{386F3935-93C4-4BCD-93E2-E3B085C9AB24}">
+                  <p16:designElem xmlns:p16="http://schemas.microsoft.com/office/powerpoint/2015/main" val="1"/>
+                </p:ext>
+              </p:extLst>
+            </p:nvPr>
+          </p:nvSpPr>
+          <p:spPr bwMode="auto">
+            <a:xfrm>
+              <a:off x="8151962" y="1685652"/>
+              <a:ext cx="3275013" cy="4408488"/>
+            </a:xfrm>
+            <a:custGeom>
+              <a:avLst/>
+              <a:gdLst/>
+              <a:ahLst/>
+              <a:cxnLst/>
+              <a:rect l="l" t="t" r="r" b="b"/>
+              <a:pathLst>
+                <a:path w="10000" h="10000">
+                  <a:moveTo>
+                    <a:pt x="8761" y="0"/>
+                  </a:moveTo>
+                  <a:lnTo>
+                    <a:pt x="10000" y="0"/>
+                  </a:lnTo>
+                  <a:lnTo>
+                    <a:pt x="10000" y="10000"/>
+                  </a:lnTo>
+                  <a:lnTo>
+                    <a:pt x="0" y="10000"/>
+                  </a:lnTo>
+                  <a:lnTo>
+                    <a:pt x="0" y="9126"/>
+                  </a:lnTo>
+                  <a:lnTo>
+                    <a:pt x="8761" y="9127"/>
+                  </a:lnTo>
+                  <a:lnTo>
+                    <a:pt x="8761" y="0"/>
+                  </a:lnTo>
+                  <a:close/>
+                </a:path>
+              </a:pathLst>
+            </a:custGeom>
+            <a:solidFill>
+              <a:schemeClr val="tx2"/>
+            </a:solidFill>
+            <a:ln w="0">
+              <a:noFill/>
+              <a:prstDash val="solid"/>
+              <a:round/>
+              <a:headEnd/>
+              <a:tailEnd/>
+            </a:ln>
+          </p:spPr>
+        </p:sp>
+        <p:sp>
+          <p:nvSpPr>
+            <p:cNvPr id="22" name="Freeform 6">
+              <a:extLst>
+                <a:ext uri="{FF2B5EF4-FFF2-40B4-BE49-F238E27FC236}">
+                  <a16:creationId xmlns:a16="http://schemas.microsoft.com/office/drawing/2014/main" id="{7E2B20CB-FF0A-40D4-9C62-172DA9BB9890}"/>
+                </a:ext>
+                <a:ext uri="{C183D7F6-B498-43B3-948B-1728B52AA6E4}">
+                  <adec:decorative xmlns:adec="http://schemas.microsoft.com/office/drawing/2017/decorative" val="1"/>
+                </a:ext>
+              </a:extLst>
+            </p:cNvPr>
+            <p:cNvSpPr/>
+            <p:nvPr>
+              <p:extLst>
+                <p:ext uri="{386F3935-93C4-4BCD-93E2-E3B085C9AB24}">
+                  <p16:designElem xmlns:p16="http://schemas.microsoft.com/office/powerpoint/2015/main" val="1"/>
+                </p:ext>
+              </p:extLst>
+            </p:nvPr>
+          </p:nvSpPr>
+          <p:spPr bwMode="auto">
+            <a:xfrm flipH="1" flipV="1">
+              <a:off x="752858" y="744469"/>
+              <a:ext cx="3275668" cy="4408488"/>
+            </a:xfrm>
+            <a:custGeom>
+              <a:avLst/>
+              <a:gdLst/>
+              <a:ahLst/>
+              <a:cxnLst/>
+              <a:rect l="l" t="t" r="r" b="b"/>
+              <a:pathLst>
+                <a:path w="10002" h="10000">
+                  <a:moveTo>
+                    <a:pt x="8763" y="0"/>
+                  </a:moveTo>
+                  <a:lnTo>
+                    <a:pt x="10002" y="0"/>
+                  </a:lnTo>
+                  <a:lnTo>
+                    <a:pt x="10002" y="10000"/>
+                  </a:lnTo>
+                  <a:lnTo>
+                    <a:pt x="2" y="10000"/>
+                  </a:lnTo>
+                  <a:cubicBezTo>
+                    <a:pt x="-2" y="9698"/>
+                    <a:pt x="4" y="9427"/>
+                    <a:pt x="0" y="9125"/>
+                  </a:cubicBezTo>
+                  <a:lnTo>
+                    <a:pt x="8763" y="9128"/>
+                  </a:lnTo>
+                  <a:lnTo>
+                    <a:pt x="8763" y="0"/>
+                  </a:lnTo>
+                  <a:close/>
+                </a:path>
+              </a:pathLst>
+            </a:custGeom>
+            <a:solidFill>
+              <a:schemeClr val="tx2"/>
+            </a:solidFill>
+            <a:ln w="0">
+              <a:noFill/>
+              <a:prstDash val="solid"/>
+              <a:round/>
+              <a:headEnd/>
+              <a:tailEnd/>
+            </a:ln>
+          </p:spPr>
+        </p:sp>
+      </p:grpSp>
+      <p:sp>
+        <p:nvSpPr>
+          <p:cNvPr id="24" name="Rectangle 23">
+            <a:extLst>
+              <a:ext uri="{FF2B5EF4-FFF2-40B4-BE49-F238E27FC236}">
+                <a16:creationId xmlns:a16="http://schemas.microsoft.com/office/drawing/2014/main" id="{35E7CCC3-B903-495C-835D-87A78FB05A01}"/>
+              </a:ext>
+              <a:ext uri="{C183D7F6-B498-43B3-948B-1728B52AA6E4}">
+                <adec:decorative xmlns:adec="http://schemas.microsoft.com/office/drawing/2017/decorative" val="1"/>
+              </a:ext>
+            </a:extLst>
+          </p:cNvPr>
+          <p:cNvSpPr>
+            <a:spLocks noGrp="1" noRot="1" noChangeAspect="1" noMove="1" noResize="1" noEditPoints="1" noAdjustHandles="1" noChangeArrowheads="1" noChangeShapeType="1" noTextEdit="1"/>
+          </p:cNvSpPr>
+          <p:nvPr>
+            <p:extLst>
+              <p:ext uri="{386F3935-93C4-4BCD-93E2-E3B085C9AB24}">
+                <p16:designElem xmlns:p16="http://schemas.microsoft.com/office/powerpoint/2015/main" val="1"/>
+              </p:ext>
+            </p:extLst>
+          </p:nvPr>
+        </p:nvSpPr>
+        <p:spPr>
+          <a:xfrm>
+            <a:off x="1000462" y="968188"/>
+            <a:ext cx="5048756" cy="4894232"/>
+          </a:xfrm>
+          <a:prstGeom prst="rect">
+            <a:avLst/>
+          </a:prstGeom>
+          <a:solidFill>
+            <a:srgbClr val="FFFFFF"/>
+          </a:solidFill>
+          <a:ln>
+            <a:noFill/>
+          </a:ln>
+        </p:spPr>
+        <p:style>
+          <a:lnRef idx="2">
+            <a:schemeClr val="accent1">
+              <a:shade val="50000"/>
+            </a:schemeClr>
+          </a:lnRef>
+          <a:fillRef idx="1">
+            <a:schemeClr val="accent1"/>
+          </a:fillRef>
+          <a:effectRef idx="0">
+            <a:schemeClr val="accent1"/>
+          </a:effectRef>
+          <a:fontRef idx="minor">
+            <a:schemeClr val="lt1"/>
+          </a:fontRef>
+        </p:style>
+        <p:txBody>
+          <a:bodyPr rtlCol="0" anchor="ctr"/>
+          <a:lstStyle/>
+          <a:p>
+            <a:pPr algn="ctr"/>
+            <a:endParaRPr lang="en-US"/>
+          </a:p>
+        </p:txBody>
+      </p:sp>
+      <p:pic>
+        <p:nvPicPr>
+          <p:cNvPr id="4" name="Content Placeholder 3">
+            <a:extLst>
+              <a:ext uri="{FF2B5EF4-FFF2-40B4-BE49-F238E27FC236}">
+                <a16:creationId xmlns:a16="http://schemas.microsoft.com/office/drawing/2014/main" id="{DD9CBB7D-4045-4F8E-A093-67C5DCC05B96}"/>
+              </a:ext>
+            </a:extLst>
+          </p:cNvPr>
+          <p:cNvPicPr>
+            <a:picLocks noChangeAspect="1"/>
+          </p:cNvPicPr>
+          <p:nvPr/>
+        </p:nvPicPr>
+        <p:blipFill>
+          <a:blip r:embed="rId2"/>
+          <a:stretch>
+            <a:fillRect/>
+          </a:stretch>
+        </p:blipFill>
+        <p:spPr>
+          <a:xfrm>
+            <a:off x="1468531" y="1289920"/>
+            <a:ext cx="4112616" cy="4250767"/>
+          </a:xfrm>
+          <a:prstGeom prst="rect">
+            <a:avLst/>
+          </a:prstGeom>
+        </p:spPr>
+      </p:pic>
+      <p:sp>
+        <p:nvSpPr>
+          <p:cNvPr id="26" name="Rectangle 25">
+            <a:extLst>
+              <a:ext uri="{FF2B5EF4-FFF2-40B4-BE49-F238E27FC236}">
+                <a16:creationId xmlns:a16="http://schemas.microsoft.com/office/drawing/2014/main" id="{584170D1-B32B-4D7D-AA30-9D84747A0574}"/>
+              </a:ext>
+              <a:ext uri="{C183D7F6-B498-43B3-948B-1728B52AA6E4}">
+                <adec:decorative xmlns:adec="http://schemas.microsoft.com/office/drawing/2017/decorative" val="1"/>
+              </a:ext>
+            </a:extLst>
+          </p:cNvPr>
+          <p:cNvSpPr>
+            <a:spLocks noGrp="1" noRot="1" noChangeAspect="1" noMove="1" noResize="1" noEditPoints="1" noAdjustHandles="1" noChangeArrowheads="1" noChangeShapeType="1" noTextEdit="1"/>
+          </p:cNvSpPr>
+          <p:nvPr>
+            <p:extLst>
+              <p:ext uri="{386F3935-93C4-4BCD-93E2-E3B085C9AB24}">
+                <p16:designElem xmlns:p16="http://schemas.microsoft.com/office/powerpoint/2015/main" val="1"/>
+              </p:ext>
+            </p:extLst>
+          </p:nvPr>
+        </p:nvSpPr>
+        <p:spPr>
+          <a:xfrm>
+            <a:off x="6131270" y="981884"/>
+            <a:ext cx="5048756" cy="4894232"/>
+          </a:xfrm>
+          <a:prstGeom prst="rect">
+            <a:avLst/>
+          </a:prstGeom>
+          <a:solidFill>
+            <a:srgbClr val="FFFFFF"/>
+          </a:solidFill>
+          <a:ln>
+            <a:noFill/>
+          </a:ln>
+        </p:spPr>
+        <p:style>
+          <a:lnRef idx="2">
+            <a:schemeClr val="accent1">
+              <a:shade val="50000"/>
+            </a:schemeClr>
+          </a:lnRef>
+          <a:fillRef idx="1">
+            <a:schemeClr val="accent1"/>
+          </a:fillRef>
+          <a:effectRef idx="0">
+            <a:schemeClr val="accent1"/>
+          </a:effectRef>
+          <a:fontRef idx="minor">
+            <a:schemeClr val="lt1"/>
+          </a:fontRef>
+        </p:style>
+        <p:txBody>
+          <a:bodyPr rtlCol="0" anchor="ctr"/>
+          <a:lstStyle/>
+          <a:p>
+            <a:pPr algn="ctr"/>
+            <a:endParaRPr lang="en-US"/>
+          </a:p>
+        </p:txBody>
+      </p:sp>
+      <p:pic>
+        <p:nvPicPr>
+          <p:cNvPr id="5" name="Content Placeholder 4">
+            <a:extLst>
+              <a:ext uri="{FF2B5EF4-FFF2-40B4-BE49-F238E27FC236}">
+                <a16:creationId xmlns:a16="http://schemas.microsoft.com/office/drawing/2014/main" id="{A2E4E60F-D620-4BD4-802D-3192A94AB29B}"/>
+              </a:ext>
+            </a:extLst>
+          </p:cNvPr>
+          <p:cNvPicPr>
+            <a:picLocks noGrp="1" noChangeAspect="1"/>
+          </p:cNvPicPr>
+          <p:nvPr>
+            <p:ph idx="1"/>
+          </p:nvPr>
+        </p:nvPicPr>
+        <p:blipFill>
+          <a:blip r:embed="rId3"/>
+          <a:stretch>
+            <a:fillRect/>
+          </a:stretch>
+        </p:blipFill>
+        <p:spPr>
+          <a:xfrm>
+            <a:off x="6599339" y="1289920"/>
+            <a:ext cx="4112616" cy="4250767"/>
+          </a:xfrm>
+          <a:prstGeom prst="rect">
+            <a:avLst/>
+          </a:prstGeom>
+        </p:spPr>
+      </p:pic>
+      <p:sp>
+        <p:nvSpPr>
+          <p:cNvPr id="6" name="Rectangle 5">
+            <a:extLst>
+              <a:ext uri="{FF2B5EF4-FFF2-40B4-BE49-F238E27FC236}">
+                <a16:creationId xmlns:a16="http://schemas.microsoft.com/office/drawing/2014/main" id="{D1CA654D-2C07-410B-A120-666DDA00F965}"/>
+              </a:ext>
+            </a:extLst>
+          </p:cNvPr>
+          <p:cNvSpPr/>
+          <p:nvPr/>
+        </p:nvSpPr>
+        <p:spPr>
+          <a:xfrm>
+            <a:off x="1184790" y="6107205"/>
+            <a:ext cx="10242185" cy="369332"/>
+          </a:xfrm>
+          <a:prstGeom prst="rect">
+            <a:avLst/>
+          </a:prstGeom>
+        </p:spPr>
+        <p:txBody>
+          <a:bodyPr wrap="square">
+            <a:spAutoFit/>
+          </a:bodyPr>
+          <a:lstStyle/>
+          <a:p>
+            <a:r>
+              <a:rPr lang="en-US" dirty="0">
+                <a:hlinkClick r:id="rId4"/>
+              </a:rPr>
+              <a:t>https://github.com/Jake25k/CSC439/commit/936dd8c58106aa56d24f16705420f8a74779a960</a:t>
+            </a:r>
+            <a:endParaRPr lang="en-US" dirty="0"/>
+          </a:p>
+        </p:txBody>
+      </p:sp>
+    </p:spTree>
+    <p:extLst>
+      <p:ext uri="{BB962C8B-B14F-4D97-AF65-F5344CB8AC3E}">
+        <p14:creationId xmlns:p14="http://schemas.microsoft.com/office/powerpoint/2010/main" val="1093642818"/>
+      </p:ext>
+    </p:extLst>
+  </p:cSld>
+  <p:clrMapOvr>
+    <a:masterClrMapping/>
+  </p:clrMapOvr>
+</p:sld>
+</file>
+
+<file path=ppt/slides/slide18.xml><?xml version="1.0" encoding="utf-8"?>
+<p:sld xmlns:a="http://schemas.openxmlformats.org/drawingml/2006/main" xmlns:r="http://schemas.openxmlformats.org/officeDocument/2006/relationships" xmlns:p="http://schemas.openxmlformats.org/presentationml/2006/main">
+  <p:cSld>
+    <p:bg>
+      <p:bgPr>
+        <a:solidFill>
+          <a:schemeClr val="bg2"/>
+        </a:solidFill>
+        <a:effectLst/>
+      </p:bgPr>
+    </p:bg>
+    <p:spTree>
+      <p:nvGrpSpPr>
+        <p:cNvPr id="1" name=""/>
+        <p:cNvGrpSpPr/>
+        <p:nvPr/>
+      </p:nvGrpSpPr>
+      <p:grpSpPr>
+        <a:xfrm>
+          <a:off x="0" y="0"/>
+          <a:ext cx="0" cy="0"/>
+          <a:chOff x="0" y="0"/>
+          <a:chExt cx="0" cy="0"/>
+        </a:xfrm>
+      </p:grpSpPr>
+      <p:sp>
+        <p:nvSpPr>
+          <p:cNvPr id="2" name="Title 1">
+            <a:extLst>
+              <a:ext uri="{FF2B5EF4-FFF2-40B4-BE49-F238E27FC236}">
+                <a16:creationId xmlns:a16="http://schemas.microsoft.com/office/drawing/2014/main" id="{01415A97-64CF-479A-8C08-69CE9414607B}"/>
+              </a:ext>
+            </a:extLst>
+          </p:cNvPr>
+          <p:cNvSpPr>
+            <a:spLocks noGrp="1"/>
+          </p:cNvSpPr>
+          <p:nvPr>
+            <p:ph type="title"/>
+          </p:nvPr>
+        </p:nvSpPr>
+        <p:spPr>
+          <a:xfrm>
+            <a:off x="1371600" y="685800"/>
+            <a:ext cx="5427785" cy="1485900"/>
+          </a:xfrm>
+        </p:spPr>
+        <p:txBody>
+          <a:bodyPr>
+            <a:normAutofit/>
+          </a:bodyPr>
+          <a:lstStyle/>
+          <a:p>
+            <a:r>
+              <a:rPr lang="en-US" dirty="0"/>
+              <a:t>Create New User</a:t>
+            </a:r>
+          </a:p>
+        </p:txBody>
+      </p:sp>
+      <p:pic>
+        <p:nvPicPr>
+          <p:cNvPr id="4" name="Content Placeholder 4">
+            <a:extLst>
+              <a:ext uri="{FF2B5EF4-FFF2-40B4-BE49-F238E27FC236}">
+                <a16:creationId xmlns:a16="http://schemas.microsoft.com/office/drawing/2014/main" id="{432A1234-4810-469C-87A6-7FCD2BD17607}"/>
+              </a:ext>
+            </a:extLst>
+          </p:cNvPr>
+          <p:cNvPicPr>
+            <a:picLocks noChangeAspect="1"/>
+          </p:cNvPicPr>
+          <p:nvPr/>
+        </p:nvPicPr>
+        <p:blipFill>
+          <a:blip r:embed="rId2"/>
+          <a:stretch>
+            <a:fillRect/>
+          </a:stretch>
+        </p:blipFill>
+        <p:spPr>
+          <a:xfrm>
+            <a:off x="5692365" y="1428750"/>
+            <a:ext cx="2597634" cy="5247747"/>
+          </a:xfrm>
+          <a:prstGeom prst="rect">
+            <a:avLst/>
+          </a:prstGeom>
+        </p:spPr>
+      </p:pic>
+    </p:spTree>
+    <p:extLst>
+      <p:ext uri="{BB962C8B-B14F-4D97-AF65-F5344CB8AC3E}">
+        <p14:creationId xmlns:p14="http://schemas.microsoft.com/office/powerpoint/2010/main" val="272619349"/>
       </p:ext>
     </p:extLst>
   </p:cSld>

--- a/PowerPoint Slides/csc439_sprint3_final.pptx
+++ b/PowerPoint Slides/csc439_sprint3_final.pptx
@@ -16,13 +16,12 @@
     <p:sldId id="280" r:id="rId10"/>
     <p:sldId id="281" r:id="rId11"/>
     <p:sldId id="269" r:id="rId12"/>
-    <p:sldId id="262" r:id="rId13"/>
-    <p:sldId id="282" r:id="rId14"/>
-    <p:sldId id="268" r:id="rId15"/>
-    <p:sldId id="283" r:id="rId16"/>
-    <p:sldId id="275" r:id="rId17"/>
-    <p:sldId id="284" r:id="rId18"/>
-    <p:sldId id="285" r:id="rId19"/>
+    <p:sldId id="284" r:id="rId13"/>
+    <p:sldId id="262" r:id="rId14"/>
+    <p:sldId id="282" r:id="rId15"/>
+    <p:sldId id="268" r:id="rId16"/>
+    <p:sldId id="283" r:id="rId17"/>
+    <p:sldId id="275" r:id="rId18"/>
   </p:sldIdLst>
   <p:sldSz cx="12192000" cy="6858000"/>
   <p:notesSz cx="6858000" cy="9144000"/>
@@ -137,13 +136,12 @@
             <p14:sldId id="280"/>
             <p14:sldId id="281"/>
             <p14:sldId id="269"/>
+            <p14:sldId id="284"/>
             <p14:sldId id="262"/>
             <p14:sldId id="282"/>
             <p14:sldId id="268"/>
             <p14:sldId id="283"/>
             <p14:sldId id="275"/>
-            <p14:sldId id="284"/>
-            <p14:sldId id="285"/>
           </p14:sldIdLst>
         </p14:section>
         <p14:section name="Untitled Section" id="{033F9596-4340-A24B-84BB-9527C275AEB5}">
@@ -164,177 +162,6 @@
     <p1510:client id="{5228B51B-D744-4EA4-894C-A01941337CCF}" v="52" dt="2019-09-30T14:20:46.741"/>
   </p1510:revLst>
 </p1510:revInfo>
-</file>
-
-<file path=ppt/changesInfos/changesInfo1.xml><?xml version="1.0" encoding="utf-8"?>
-<pc:chgInfo xmlns:a="http://schemas.openxmlformats.org/drawingml/2006/main" xmlns:r="http://schemas.openxmlformats.org/officeDocument/2006/relationships" xmlns:ac="http://schemas.microsoft.com/office/drawing/2013/main/command" xmlns:pc="http://schemas.microsoft.com/office/powerpoint/2013/main/command">
-  <pc:docChgLst>
-    <pc:chgData name="JJ Craig" userId="403dfa2b560c16b3" providerId="LiveId" clId="{ED65A641-CA65-41CA-B6BA-3CE2C6B5B55A}"/>
-    <pc:docChg chg="custSel mod addSld modSld">
-      <pc:chgData name="JJ Craig" userId="403dfa2b560c16b3" providerId="LiveId" clId="{ED65A641-CA65-41CA-B6BA-3CE2C6B5B55A}" dt="2019-09-30T19:55:39.701" v="36" actId="1076"/>
-      <pc:docMkLst>
-        <pc:docMk/>
-      </pc:docMkLst>
-      <pc:sldChg chg="modSp">
-        <pc:chgData name="JJ Craig" userId="403dfa2b560c16b3" providerId="LiveId" clId="{ED65A641-CA65-41CA-B6BA-3CE2C6B5B55A}" dt="2019-09-30T19:53:49.018" v="5" actId="27636"/>
-        <pc:sldMkLst>
-          <pc:docMk/>
-          <pc:sldMk cId="1468032336" sldId="275"/>
-        </pc:sldMkLst>
-        <pc:spChg chg="mod">
-          <ac:chgData name="JJ Craig" userId="403dfa2b560c16b3" providerId="LiveId" clId="{ED65A641-CA65-41CA-B6BA-3CE2C6B5B55A}" dt="2019-09-30T19:53:49.018" v="5" actId="27636"/>
-          <ac:spMkLst>
-            <pc:docMk/>
-            <pc:sldMk cId="1468032336" sldId="275"/>
-            <ac:spMk id="3" creationId="{CDDE009F-4471-4F9C-BE83-99E8BEF18B8A}"/>
-          </ac:spMkLst>
-        </pc:spChg>
-      </pc:sldChg>
-      <pc:sldChg chg="addSp delSp modSp add mod setBg">
-        <pc:chgData name="JJ Craig" userId="403dfa2b560c16b3" providerId="LiveId" clId="{ED65A641-CA65-41CA-B6BA-3CE2C6B5B55A}" dt="2019-09-30T19:54:59.008" v="15" actId="14100"/>
-        <pc:sldMkLst>
-          <pc:docMk/>
-          <pc:sldMk cId="1093642818" sldId="284"/>
-        </pc:sldMkLst>
-        <pc:spChg chg="del">
-          <ac:chgData name="JJ Craig" userId="403dfa2b560c16b3" providerId="LiveId" clId="{ED65A641-CA65-41CA-B6BA-3CE2C6B5B55A}" dt="2019-09-30T19:54:06.233" v="7" actId="478"/>
-          <ac:spMkLst>
-            <pc:docMk/>
-            <pc:sldMk cId="1093642818" sldId="284"/>
-            <ac:spMk id="2" creationId="{F7FF29EB-4483-456C-9FFE-EB6DFAE861E3}"/>
-          </ac:spMkLst>
-        </pc:spChg>
-        <pc:spChg chg="del">
-          <ac:chgData name="JJ Craig" userId="403dfa2b560c16b3" providerId="LiveId" clId="{ED65A641-CA65-41CA-B6BA-3CE2C6B5B55A}" dt="2019-09-30T19:54:09.108" v="8"/>
-          <ac:spMkLst>
-            <pc:docMk/>
-            <pc:sldMk cId="1093642818" sldId="284"/>
-            <ac:spMk id="3" creationId="{15BD6B90-3AD8-4284-9AD9-6DD47273147D}"/>
-          </ac:spMkLst>
-        </pc:spChg>
-        <pc:spChg chg="add mod">
-          <ac:chgData name="JJ Craig" userId="403dfa2b560c16b3" providerId="LiveId" clId="{ED65A641-CA65-41CA-B6BA-3CE2C6B5B55A}" dt="2019-09-30T19:54:59.008" v="15" actId="14100"/>
-          <ac:spMkLst>
-            <pc:docMk/>
-            <pc:sldMk cId="1093642818" sldId="284"/>
-            <ac:spMk id="6" creationId="{D1CA654D-2C07-410B-A120-666DDA00F965}"/>
-          </ac:spMkLst>
-        </pc:spChg>
-        <pc:spChg chg="add del">
-          <ac:chgData name="JJ Craig" userId="403dfa2b560c16b3" providerId="LiveId" clId="{ED65A641-CA65-41CA-B6BA-3CE2C6B5B55A}" dt="2019-09-30T19:54:26.777" v="10"/>
-          <ac:spMkLst>
-            <pc:docMk/>
-            <pc:sldMk cId="1093642818" sldId="284"/>
-            <ac:spMk id="8" creationId="{9434B082-5407-4596-A51B-83A26ACD84BB}"/>
-          </ac:spMkLst>
-        </pc:spChg>
-        <pc:spChg chg="add del">
-          <ac:chgData name="JJ Craig" userId="403dfa2b560c16b3" providerId="LiveId" clId="{ED65A641-CA65-41CA-B6BA-3CE2C6B5B55A}" dt="2019-09-30T19:54:39.666" v="11" actId="26606"/>
-          <ac:spMkLst>
-            <pc:docMk/>
-            <pc:sldMk cId="1093642818" sldId="284"/>
-            <ac:spMk id="11" creationId="{BEC9E7FA-3295-45ED-8253-D23F9E44E1DA}"/>
-          </ac:spMkLst>
-        </pc:spChg>
-        <pc:spChg chg="add">
-          <ac:chgData name="JJ Craig" userId="403dfa2b560c16b3" providerId="LiveId" clId="{ED65A641-CA65-41CA-B6BA-3CE2C6B5B55A}" dt="2019-09-30T19:54:39.666" v="11" actId="26606"/>
-          <ac:spMkLst>
-            <pc:docMk/>
-            <pc:sldMk cId="1093642818" sldId="284"/>
-            <ac:spMk id="16" creationId="{9E8A3474-A3A2-4200-9E98-3433E3D193E2}"/>
-          </ac:spMkLst>
-        </pc:spChg>
-        <pc:spChg chg="add">
-          <ac:chgData name="JJ Craig" userId="403dfa2b560c16b3" providerId="LiveId" clId="{ED65A641-CA65-41CA-B6BA-3CE2C6B5B55A}" dt="2019-09-30T19:54:39.666" v="11" actId="26606"/>
-          <ac:spMkLst>
-            <pc:docMk/>
-            <pc:sldMk cId="1093642818" sldId="284"/>
-            <ac:spMk id="18" creationId="{9A5A698B-F644-41A9-BD67-6316EDB7A951}"/>
-          </ac:spMkLst>
-        </pc:spChg>
-        <pc:spChg chg="add">
-          <ac:chgData name="JJ Craig" userId="403dfa2b560c16b3" providerId="LiveId" clId="{ED65A641-CA65-41CA-B6BA-3CE2C6B5B55A}" dt="2019-09-30T19:54:39.666" v="11" actId="26606"/>
-          <ac:spMkLst>
-            <pc:docMk/>
-            <pc:sldMk cId="1093642818" sldId="284"/>
-            <ac:spMk id="24" creationId="{35E7CCC3-B903-495C-835D-87A78FB05A01}"/>
-          </ac:spMkLst>
-        </pc:spChg>
-        <pc:spChg chg="add">
-          <ac:chgData name="JJ Craig" userId="403dfa2b560c16b3" providerId="LiveId" clId="{ED65A641-CA65-41CA-B6BA-3CE2C6B5B55A}" dt="2019-09-30T19:54:39.666" v="11" actId="26606"/>
-          <ac:spMkLst>
-            <pc:docMk/>
-            <pc:sldMk cId="1093642818" sldId="284"/>
-            <ac:spMk id="26" creationId="{584170D1-B32B-4D7D-AA30-9D84747A0574}"/>
-          </ac:spMkLst>
-        </pc:spChg>
-        <pc:grpChg chg="add">
-          <ac:chgData name="JJ Craig" userId="403dfa2b560c16b3" providerId="LiveId" clId="{ED65A641-CA65-41CA-B6BA-3CE2C6B5B55A}" dt="2019-09-30T19:54:39.666" v="11" actId="26606"/>
-          <ac:grpSpMkLst>
-            <pc:docMk/>
-            <pc:sldMk cId="1093642818" sldId="284"/>
-            <ac:grpSpMk id="20" creationId="{BA916D8B-8E5E-442C-93D2-F10B324962F3}"/>
-          </ac:grpSpMkLst>
-        </pc:grpChg>
-        <pc:picChg chg="add mod">
-          <ac:chgData name="JJ Craig" userId="403dfa2b560c16b3" providerId="LiveId" clId="{ED65A641-CA65-41CA-B6BA-3CE2C6B5B55A}" dt="2019-09-30T19:54:39.666" v="11" actId="26606"/>
-          <ac:picMkLst>
-            <pc:docMk/>
-            <pc:sldMk cId="1093642818" sldId="284"/>
-            <ac:picMk id="4" creationId="{DD9CBB7D-4045-4F8E-A093-67C5DCC05B96}"/>
-          </ac:picMkLst>
-        </pc:picChg>
-        <pc:picChg chg="add mod">
-          <ac:chgData name="JJ Craig" userId="403dfa2b560c16b3" providerId="LiveId" clId="{ED65A641-CA65-41CA-B6BA-3CE2C6B5B55A}" dt="2019-09-30T19:54:39.666" v="11" actId="26606"/>
-          <ac:picMkLst>
-            <pc:docMk/>
-            <pc:sldMk cId="1093642818" sldId="284"/>
-            <ac:picMk id="5" creationId="{A2E4E60F-D620-4BD4-802D-3192A94AB29B}"/>
-          </ac:picMkLst>
-        </pc:picChg>
-      </pc:sldChg>
-      <pc:sldChg chg="addSp delSp modSp add mod setBg">
-        <pc:chgData name="JJ Craig" userId="403dfa2b560c16b3" providerId="LiveId" clId="{ED65A641-CA65-41CA-B6BA-3CE2C6B5B55A}" dt="2019-09-30T19:55:39.701" v="36" actId="1076"/>
-        <pc:sldMkLst>
-          <pc:docMk/>
-          <pc:sldMk cId="272619349" sldId="285"/>
-        </pc:sldMkLst>
-        <pc:spChg chg="mod">
-          <ac:chgData name="JJ Craig" userId="403dfa2b560c16b3" providerId="LiveId" clId="{ED65A641-CA65-41CA-B6BA-3CE2C6B5B55A}" dt="2019-09-30T19:55:30.053" v="34" actId="14100"/>
-          <ac:spMkLst>
-            <pc:docMk/>
-            <pc:sldMk cId="272619349" sldId="285"/>
-            <ac:spMk id="2" creationId="{01415A97-64CF-479A-8C08-69CE9414607B}"/>
-          </ac:spMkLst>
-        </pc:spChg>
-        <pc:spChg chg="del">
-          <ac:chgData name="JJ Craig" userId="403dfa2b560c16b3" providerId="LiveId" clId="{ED65A641-CA65-41CA-B6BA-3CE2C6B5B55A}" dt="2019-09-30T19:55:10.803" v="17"/>
-          <ac:spMkLst>
-            <pc:docMk/>
-            <pc:sldMk cId="272619349" sldId="285"/>
-            <ac:spMk id="3" creationId="{5441A31A-ABC2-4A04-8CED-AF38D1C65D22}"/>
-          </ac:spMkLst>
-        </pc:spChg>
-        <pc:spChg chg="add del">
-          <ac:chgData name="JJ Craig" userId="403dfa2b560c16b3" providerId="LiveId" clId="{ED65A641-CA65-41CA-B6BA-3CE2C6B5B55A}" dt="2019-09-30T19:55:32.820" v="35" actId="478"/>
-          <ac:spMkLst>
-            <pc:docMk/>
-            <pc:sldMk cId="272619349" sldId="285"/>
-            <ac:spMk id="8" creationId="{AED8B59A-8E44-4681-B08A-5B278F84A142}"/>
-          </ac:spMkLst>
-        </pc:spChg>
-        <pc:picChg chg="add mod">
-          <ac:chgData name="JJ Craig" userId="403dfa2b560c16b3" providerId="LiveId" clId="{ED65A641-CA65-41CA-B6BA-3CE2C6B5B55A}" dt="2019-09-30T19:55:39.701" v="36" actId="1076"/>
-          <ac:picMkLst>
-            <pc:docMk/>
-            <pc:sldMk cId="272619349" sldId="285"/>
-            <ac:picMk id="4" creationId="{432A1234-4810-469C-87A6-7FCD2BD17607}"/>
-          </ac:picMkLst>
-        </pc:picChg>
-      </pc:sldChg>
-    </pc:docChg>
-  </pc:docChgLst>
-</pc:chgInfo>
 </file>
 
 <file path=ppt/slideLayouts/slideLayout1.xml><?xml version="1.0" encoding="utf-8"?>
@@ -4246,6 +4073,14 @@
 <file path=ppt/slides/slide11.xml><?xml version="1.0" encoding="utf-8"?>
 <p:sld xmlns:a="http://schemas.openxmlformats.org/drawingml/2006/main" xmlns:r="http://schemas.openxmlformats.org/officeDocument/2006/relationships" xmlns:p="http://schemas.openxmlformats.org/presentationml/2006/main">
   <p:cSld>
+    <p:bg>
+      <p:bgPr>
+        <a:solidFill>
+          <a:schemeClr val="bg2"/>
+        </a:solidFill>
+        <a:effectLst/>
+      </p:bgPr>
+    </p:bg>
     <p:spTree>
       <p:nvGrpSpPr>
         <p:cNvPr id="1" name=""/>
@@ -4270,9 +4105,16 @@
             <p:ph type="title"/>
           </p:nvPr>
         </p:nvSpPr>
-        <p:spPr/>
-        <p:txBody>
-          <a:bodyPr/>
+        <p:spPr>
+          <a:xfrm>
+            <a:off x="1023562" y="685800"/>
+            <a:ext cx="10493524" cy="1485900"/>
+          </a:xfrm>
+        </p:spPr>
+        <p:txBody>
+          <a:bodyPr>
+            <a:normAutofit/>
+          </a:bodyPr>
           <a:lstStyle/>
           <a:p>
             <a:r>
@@ -4281,6 +4123,61 @@
             </a:r>
           </a:p>
         </p:txBody>
+      </p:sp>
+      <p:sp>
+        <p:nvSpPr>
+          <p:cNvPr id="10" name="Rectangle 9">
+            <a:extLst>
+              <a:ext uri="{FF2B5EF4-FFF2-40B4-BE49-F238E27FC236}">
+                <a16:creationId xmlns:a16="http://schemas.microsoft.com/office/drawing/2014/main" id="{B9F89C22-0475-4427-B7C8-0269AD40E3EC}"/>
+              </a:ext>
+              <a:ext uri="{C183D7F6-B498-43B3-948B-1728B52AA6E4}">
+                <adec:decorative xmlns:adec="http://schemas.microsoft.com/office/drawing/2017/decorative" val="1"/>
+              </a:ext>
+            </a:extLst>
+          </p:cNvPr>
+          <p:cNvSpPr>
+            <a:spLocks noGrp="1" noRot="1" noChangeAspect="1" noMove="1" noResize="1" noEditPoints="1" noAdjustHandles="1" noChangeArrowheads="1" noChangeShapeType="1" noTextEdit="1"/>
+          </p:cNvSpPr>
+          <p:nvPr>
+            <p:extLst>
+              <p:ext uri="{386F3935-93C4-4BCD-93E2-E3B085C9AB24}">
+                <p16:designElem xmlns:p16="http://schemas.microsoft.com/office/powerpoint/2015/main" val="1"/>
+              </p:ext>
+            </p:extLst>
+          </p:nvPr>
+        </p:nvSpPr>
+        <p:spPr>
+          <a:xfrm>
+            <a:off x="478095" y="376"/>
+            <a:ext cx="228600" cy="6858000"/>
+          </a:xfrm>
+          <a:prstGeom prst="rect">
+            <a:avLst/>
+          </a:prstGeom>
+          <a:solidFill>
+            <a:schemeClr val="tx2"/>
+          </a:solidFill>
+          <a:ln>
+            <a:noFill/>
+          </a:ln>
+        </p:spPr>
+        <p:style>
+          <a:lnRef idx="2">
+            <a:schemeClr val="accent1">
+              <a:shade val="50000"/>
+            </a:schemeClr>
+          </a:lnRef>
+          <a:fillRef idx="1">
+            <a:schemeClr val="accent1"/>
+          </a:fillRef>
+          <a:effectRef idx="0">
+            <a:schemeClr val="accent1"/>
+          </a:effectRef>
+          <a:fontRef idx="minor">
+            <a:schemeClr val="lt1"/>
+          </a:fontRef>
+        </p:style>
       </p:sp>
       <p:sp>
         <p:nvSpPr>
@@ -4298,15 +4195,76 @@
             <p:ph idx="1"/>
           </p:nvPr>
         </p:nvSpPr>
-        <p:spPr/>
-        <p:txBody>
-          <a:bodyPr/>
+        <p:spPr>
+          <a:xfrm>
+            <a:off x="1023562" y="2286000"/>
+            <a:ext cx="5072437" cy="3581400"/>
+          </a:xfrm>
+        </p:spPr>
+        <p:txBody>
+          <a:bodyPr>
+            <a:normAutofit/>
+          </a:bodyPr>
           <a:lstStyle/>
           <a:p>
-            <a:endParaRPr lang="en-US"/>
-          </a:p>
-        </p:txBody>
-      </p:sp>
+            <a:r>
+              <a:rPr lang="en-US" sz="1800" dirty="0"/>
+              <a:t>Updating the SQL database to include both a price and a description of all books.</a:t>
+            </a:r>
+          </a:p>
+          <a:p>
+            <a:r>
+              <a:rPr lang="en-US" sz="1800" dirty="0"/>
+              <a:t>Used command UPDATE books SET column = value WHERE condition;.</a:t>
+            </a:r>
+          </a:p>
+          <a:p>
+            <a:r>
+              <a:rPr lang="en-US" sz="1800" dirty="0"/>
+              <a:t>For example UPDATE books SET price = ‘$20’ WHERE </a:t>
+            </a:r>
+            <a:r>
+              <a:rPr lang="en-US" sz="1800" dirty="0" err="1"/>
+              <a:t>book_id</a:t>
+            </a:r>
+            <a:r>
+              <a:rPr lang="en-US" sz="1800"/>
+              <a:t>=2;</a:t>
+            </a:r>
+            <a:endParaRPr lang="en-US" sz="1800" dirty="0"/>
+          </a:p>
+        </p:txBody>
+      </p:sp>
+      <p:pic>
+        <p:nvPicPr>
+          <p:cNvPr id="3" name="Picture 2">
+            <a:extLst>
+              <a:ext uri="{FF2B5EF4-FFF2-40B4-BE49-F238E27FC236}">
+                <a16:creationId xmlns:a16="http://schemas.microsoft.com/office/drawing/2014/main" id="{60C393C0-D87B-4255-9817-36AC0B372E6A}"/>
+              </a:ext>
+            </a:extLst>
+          </p:cNvPr>
+          <p:cNvPicPr>
+            <a:picLocks noChangeAspect="1"/>
+          </p:cNvPicPr>
+          <p:nvPr/>
+        </p:nvPicPr>
+        <p:blipFill>
+          <a:blip r:embed="rId2"/>
+          <a:stretch>
+            <a:fillRect/>
+          </a:stretch>
+        </p:blipFill>
+        <p:spPr>
+          <a:xfrm>
+            <a:off x="6411641" y="2286000"/>
+            <a:ext cx="5105445" cy="3389077"/>
+          </a:xfrm>
+          <a:prstGeom prst="rect">
+            <a:avLst/>
+          </a:prstGeom>
+        </p:spPr>
+      </p:pic>
     </p:spTree>
     <p:extLst>
       <p:ext uri="{BB962C8B-B14F-4D97-AF65-F5344CB8AC3E}">
@@ -4342,6 +4300,96 @@
           <p:cNvPr id="2" name="Title 1">
             <a:extLst>
               <a:ext uri="{FF2B5EF4-FFF2-40B4-BE49-F238E27FC236}">
+                <a16:creationId xmlns:a16="http://schemas.microsoft.com/office/drawing/2014/main" id="{E77A0F94-BE70-4EC7-9920-52F90B6B18DB}"/>
+              </a:ext>
+            </a:extLst>
+          </p:cNvPr>
+          <p:cNvSpPr>
+            <a:spLocks noGrp="1"/>
+          </p:cNvSpPr>
+          <p:nvPr>
+            <p:ph type="title"/>
+          </p:nvPr>
+        </p:nvSpPr>
+        <p:spPr/>
+        <p:txBody>
+          <a:bodyPr/>
+          <a:lstStyle/>
+          <a:p>
+            <a:r>
+              <a:rPr lang="en-US" dirty="0"/>
+              <a:t>Tester/Developer: Josh McGuire</a:t>
+            </a:r>
+          </a:p>
+        </p:txBody>
+      </p:sp>
+      <p:pic>
+        <p:nvPicPr>
+          <p:cNvPr id="4" name="Content Placeholder 3">
+            <a:extLst>
+              <a:ext uri="{FF2B5EF4-FFF2-40B4-BE49-F238E27FC236}">
+                <a16:creationId xmlns:a16="http://schemas.microsoft.com/office/drawing/2014/main" id="{D8FB20CA-1083-4796-8FD7-B3DDCE5ECAC6}"/>
+              </a:ext>
+            </a:extLst>
+          </p:cNvPr>
+          <p:cNvPicPr>
+            <a:picLocks noGrp="1" noChangeAspect="1"/>
+          </p:cNvPicPr>
+          <p:nvPr>
+            <p:ph idx="1"/>
+          </p:nvPr>
+        </p:nvPicPr>
+        <p:blipFill>
+          <a:blip r:embed="rId2"/>
+          <a:stretch>
+            <a:fillRect/>
+          </a:stretch>
+        </p:blipFill>
+        <p:spPr>
+          <a:xfrm>
+            <a:off x="1219200" y="1882587"/>
+            <a:ext cx="10640010" cy="3778624"/>
+          </a:xfrm>
+          <a:prstGeom prst="rect">
+            <a:avLst/>
+          </a:prstGeom>
+        </p:spPr>
+      </p:pic>
+    </p:spTree>
+    <p:extLst>
+      <p:ext uri="{BB962C8B-B14F-4D97-AF65-F5344CB8AC3E}">
+        <p14:creationId xmlns:p14="http://schemas.microsoft.com/office/powerpoint/2010/main" val="2084869673"/>
+      </p:ext>
+    </p:extLst>
+  </p:cSld>
+  <p:clrMapOvr>
+    <a:masterClrMapping/>
+  </p:clrMapOvr>
+</p:sld>
+</file>
+
+<file path=ppt/slides/slide13.xml><?xml version="1.0" encoding="utf-8"?>
+<p:sld xmlns:a="http://schemas.openxmlformats.org/drawingml/2006/main" xmlns:r="http://schemas.openxmlformats.org/officeDocument/2006/relationships" xmlns:p="http://schemas.openxmlformats.org/presentationml/2006/main">
+  <p:cSld>
+    <p:spTree>
+      <p:nvGrpSpPr>
+        <p:cNvPr id="1" name=""/>
+        <p:cNvGrpSpPr/>
+        <p:nvPr/>
+      </p:nvGrpSpPr>
+      <p:grpSpPr>
+        <a:xfrm>
+          <a:off x="0" y="0"/>
+          <a:ext cx="0" cy="0"/>
+          <a:chOff x="0" y="0"/>
+          <a:chExt cx="0" cy="0"/>
+        </a:xfrm>
+      </p:grpSpPr>
+      <p:sp>
+        <p:nvSpPr>
+          <p:cNvPr id="2" name="Title 1">
+            <a:extLst>
+              <a:ext uri="{FF2B5EF4-FFF2-40B4-BE49-F238E27FC236}">
                 <a16:creationId xmlns:a16="http://schemas.microsoft.com/office/drawing/2014/main" id="{31CB56F1-6918-DB4B-A9C3-59592D7804C5}"/>
               </a:ext>
             </a:extLst>
@@ -4576,7 +4624,7 @@
 </p:sld>
 </file>
 
-<file path=ppt/slides/slide13.xml><?xml version="1.0" encoding="utf-8"?>
+<file path=ppt/slides/slide14.xml><?xml version="1.0" encoding="utf-8"?>
 <p:sld xmlns:a="http://schemas.openxmlformats.org/drawingml/2006/main" xmlns:r="http://schemas.openxmlformats.org/officeDocument/2006/relationships" xmlns:p="http://schemas.openxmlformats.org/presentationml/2006/main">
   <p:cSld>
     <p:spTree>
@@ -4638,7 +4686,7 @@
 </p:sld>
 </file>
 
-<file path=ppt/slides/slide14.xml><?xml version="1.0" encoding="utf-8"?>
+<file path=ppt/slides/slide15.xml><?xml version="1.0" encoding="utf-8"?>
 <p:sld xmlns:a="http://schemas.openxmlformats.org/drawingml/2006/main" xmlns:r="http://schemas.openxmlformats.org/officeDocument/2006/relationships" xmlns:p="http://schemas.openxmlformats.org/presentationml/2006/main">
   <p:cSld>
     <p:spTree>
@@ -4754,131 +4802,6 @@
     <p:extLst>
       <p:ext uri="{BB962C8B-B14F-4D97-AF65-F5344CB8AC3E}">
         <p14:creationId xmlns:p14="http://schemas.microsoft.com/office/powerpoint/2010/main" val="1478532671"/>
-      </p:ext>
-    </p:extLst>
-  </p:cSld>
-  <p:clrMapOvr>
-    <a:masterClrMapping/>
-  </p:clrMapOvr>
-</p:sld>
-</file>
-
-<file path=ppt/slides/slide15.xml><?xml version="1.0" encoding="utf-8"?>
-<p:sld xmlns:a="http://schemas.openxmlformats.org/drawingml/2006/main" xmlns:r="http://schemas.openxmlformats.org/officeDocument/2006/relationships" xmlns:p="http://schemas.openxmlformats.org/presentationml/2006/main">
-  <p:cSld>
-    <p:spTree>
-      <p:nvGrpSpPr>
-        <p:cNvPr id="1" name=""/>
-        <p:cNvGrpSpPr/>
-        <p:nvPr/>
-      </p:nvGrpSpPr>
-      <p:grpSpPr>
-        <a:xfrm>
-          <a:off x="0" y="0"/>
-          <a:ext cx="0" cy="0"/>
-          <a:chOff x="0" y="0"/>
-          <a:chExt cx="0" cy="0"/>
-        </a:xfrm>
-      </p:grpSpPr>
-      <p:sp>
-        <p:nvSpPr>
-          <p:cNvPr id="2" name="Title 1">
-            <a:extLst>
-              <a:ext uri="{FF2B5EF4-FFF2-40B4-BE49-F238E27FC236}">
-                <a16:creationId xmlns:a16="http://schemas.microsoft.com/office/drawing/2014/main" id="{7313C04E-048C-4A6E-AE61-1AD4F0BCC42F}"/>
-              </a:ext>
-            </a:extLst>
-          </p:cNvPr>
-          <p:cNvSpPr>
-            <a:spLocks noGrp="1"/>
-          </p:cNvSpPr>
-          <p:nvPr>
-            <p:ph type="title"/>
-          </p:nvPr>
-        </p:nvSpPr>
-        <p:spPr/>
-        <p:txBody>
-          <a:bodyPr/>
-          <a:lstStyle/>
-          <a:p>
-            <a:r>
-              <a:rPr lang="en-US" dirty="0"/>
-              <a:t>Configuration Manager/Developer: Chris Wells</a:t>
-            </a:r>
-          </a:p>
-        </p:txBody>
-      </p:sp>
-      <p:sp>
-        <p:nvSpPr>
-          <p:cNvPr id="3" name="Content Placeholder 2">
-            <a:extLst>
-              <a:ext uri="{FF2B5EF4-FFF2-40B4-BE49-F238E27FC236}">
-                <a16:creationId xmlns:a16="http://schemas.microsoft.com/office/drawing/2014/main" id="{1CC7617A-9BB1-41CF-A4CE-02FD091C153F}"/>
-              </a:ext>
-            </a:extLst>
-          </p:cNvPr>
-          <p:cNvSpPr>
-            <a:spLocks noGrp="1"/>
-          </p:cNvSpPr>
-          <p:nvPr>
-            <p:ph idx="1"/>
-          </p:nvPr>
-        </p:nvSpPr>
-        <p:spPr/>
-        <p:txBody>
-          <a:bodyPr/>
-          <a:lstStyle/>
-          <a:p>
-            <a:pPr marL="0" indent="0">
-              <a:buNone/>
-            </a:pPr>
-            <a:r>
-              <a:rPr lang="en-US" dirty="0"/>
-              <a:t>Task: Add Text Showing a Summary of Search Results</a:t>
-            </a:r>
-          </a:p>
-          <a:p>
-            <a:pPr marL="0" indent="0">
-              <a:buNone/>
-            </a:pPr>
-            <a:endParaRPr lang="en-US" dirty="0"/>
-          </a:p>
-        </p:txBody>
-      </p:sp>
-      <p:pic>
-        <p:nvPicPr>
-          <p:cNvPr id="6" name="Picture 5">
-            <a:extLst>
-              <a:ext uri="{FF2B5EF4-FFF2-40B4-BE49-F238E27FC236}">
-                <a16:creationId xmlns:a16="http://schemas.microsoft.com/office/drawing/2014/main" id="{BD8A7DD9-34AA-4D53-9445-DE59C7E21147}"/>
-              </a:ext>
-            </a:extLst>
-          </p:cNvPr>
-          <p:cNvPicPr>
-            <a:picLocks noChangeAspect="1"/>
-          </p:cNvPicPr>
-          <p:nvPr/>
-        </p:nvPicPr>
-        <p:blipFill>
-          <a:blip r:embed="rId2"/>
-          <a:stretch>
-            <a:fillRect/>
-          </a:stretch>
-        </p:blipFill>
-        <p:spPr>
-          <a:xfrm>
-            <a:off x="1219200" y="3790562"/>
-            <a:ext cx="10616162" cy="1791477"/>
-          </a:xfrm>
-          <a:prstGeom prst="rect">
-            <a:avLst/>
-          </a:prstGeom>
-        </p:spPr>
-      </p:pic>
-    </p:spTree>
-    <p:extLst>
-      <p:ext uri="{BB962C8B-B14F-4D97-AF65-F5344CB8AC3E}">
-        <p14:creationId xmlns:p14="http://schemas.microsoft.com/office/powerpoint/2010/main" val="1534970669"/>
       </p:ext>
     </p:extLst>
   </p:cSld>
@@ -4910,7 +4833,7 @@
           <p:cNvPr id="2" name="Title 1">
             <a:extLst>
               <a:ext uri="{FF2B5EF4-FFF2-40B4-BE49-F238E27FC236}">
-                <a16:creationId xmlns:a16="http://schemas.microsoft.com/office/drawing/2014/main" id="{B4DB9B26-1FC6-4919-8EBF-49D9E62E29EB}"/>
+                <a16:creationId xmlns:a16="http://schemas.microsoft.com/office/drawing/2014/main" id="{7313C04E-048C-4A6E-AE61-1AD4F0BCC42F}"/>
               </a:ext>
             </a:extLst>
           </p:cNvPr>
@@ -4928,7 +4851,7 @@
           <a:p>
             <a:r>
               <a:rPr lang="en-US" dirty="0"/>
-              <a:t>SCM Manager: Zach Sprague</a:t>
+              <a:t>Configuration Manager/Developer: Chris Wells</a:t>
             </a:r>
           </a:p>
         </p:txBody>
@@ -4938,7 +4861,7 @@
           <p:cNvPr id="3" name="Content Placeholder 2">
             <a:extLst>
               <a:ext uri="{FF2B5EF4-FFF2-40B4-BE49-F238E27FC236}">
-                <a16:creationId xmlns:a16="http://schemas.microsoft.com/office/drawing/2014/main" id="{CDDE009F-4471-4F9C-BE83-99E8BEF18B8A}"/>
+                <a16:creationId xmlns:a16="http://schemas.microsoft.com/office/drawing/2014/main" id="{1CC7617A-9BB1-41CF-A4CE-02FD091C153F}"/>
               </a:ext>
             </a:extLst>
           </p:cNvPr>
@@ -4949,489 +4872,33 @@
             <p:ph idx="1"/>
           </p:nvPr>
         </p:nvSpPr>
-        <p:spPr>
-          <a:xfrm>
-            <a:off x="1371600" y="1411705"/>
-            <a:ext cx="9601200" cy="5446295"/>
-          </a:xfrm>
-        </p:spPr>
-        <p:txBody>
-          <a:bodyPr>
-            <a:normAutofit/>
-          </a:bodyPr>
+        <p:spPr/>
+        <p:txBody>
+          <a:bodyPr/>
           <a:lstStyle/>
           <a:p>
+            <a:pPr marL="0" indent="0">
+              <a:buNone/>
+            </a:pPr>
             <a:r>
               <a:rPr lang="en-US" dirty="0"/>
-              <a:t>Tasks: </a:t>
-            </a:r>
-            <a:br>
-              <a:rPr lang="en-US" dirty="0"/>
-            </a:br>
-            <a:r>
-              <a:rPr lang="en-US" dirty="0"/>
-              <a:t>1. Add a create new user link on the login form</a:t>
-            </a:r>
-          </a:p>
-          <a:p>
+              <a:t>Task: Add Text Showing a Summary of Search Results</a:t>
+            </a:r>
+          </a:p>
+          <a:p>
+            <a:pPr marL="0" indent="0">
+              <a:buNone/>
+            </a:pPr>
             <a:endParaRPr lang="en-US" dirty="0"/>
           </a:p>
-          <a:p>
-            <a:r>
-              <a:rPr lang="en-US" dirty="0"/>
-              <a:t>2. Implemented the login form for users to create</a:t>
-            </a:r>
-          </a:p>
-          <a:p>
-            <a:r>
-              <a:rPr lang="en-US" dirty="0"/>
-              <a:t>accounts if not already signed up</a:t>
-            </a:r>
-          </a:p>
-          <a:p>
-            <a:endParaRPr lang="en-US" dirty="0"/>
-          </a:p>
-          <a:p>
-            <a:r>
-              <a:rPr lang="en-US" dirty="0"/>
-              <a:t>3. Once the user has an account, they can then login with their username and password.</a:t>
-            </a:r>
-          </a:p>
-          <a:p>
-            <a:endParaRPr lang="en-US" dirty="0"/>
-          </a:p>
-          <a:p>
-            <a:r>
-              <a:rPr lang="en-US" dirty="0"/>
-              <a:t>4. For next sprint, the login button needs to switch to logout once a user is logged in. Also to make error messages look more professional.</a:t>
-            </a:r>
-          </a:p>
-          <a:p>
-            <a:endParaRPr lang="en-US" dirty="0"/>
-          </a:p>
-          <a:p>
-            <a:r>
-              <a:rPr lang="en-US" dirty="0"/>
-              <a:t>5. Need to implement password hashing. PostgreSQL uses </a:t>
-            </a:r>
-            <a:r>
-              <a:rPr lang="en-US" dirty="0" err="1"/>
-              <a:t>pg_crypto</a:t>
-            </a:r>
-            <a:r>
-              <a:rPr lang="en-US" dirty="0"/>
-              <a:t> for this.</a:t>
-            </a:r>
-          </a:p>
-          <a:p>
-            <a:endParaRPr lang="en-US" dirty="0"/>
-          </a:p>
-          <a:p>
-            <a:endParaRPr lang="en-US" dirty="0"/>
-          </a:p>
-        </p:txBody>
-      </p:sp>
-    </p:spTree>
-    <p:extLst>
-      <p:ext uri="{BB962C8B-B14F-4D97-AF65-F5344CB8AC3E}">
-        <p14:creationId xmlns:p14="http://schemas.microsoft.com/office/powerpoint/2010/main" val="1468032336"/>
-      </p:ext>
-    </p:extLst>
-  </p:cSld>
-  <p:clrMapOvr>
-    <a:masterClrMapping/>
-  </p:clrMapOvr>
-</p:sld>
-</file>
-
-<file path=ppt/slides/slide17.xml><?xml version="1.0" encoding="utf-8"?>
-<p:sld xmlns:a="http://schemas.openxmlformats.org/drawingml/2006/main" xmlns:r="http://schemas.openxmlformats.org/officeDocument/2006/relationships" xmlns:p="http://schemas.openxmlformats.org/presentationml/2006/main">
-  <p:cSld>
-    <p:bg>
-      <p:bgPr>
-        <a:solidFill>
-          <a:schemeClr val="bg2"/>
-        </a:solidFill>
-        <a:effectLst/>
-      </p:bgPr>
-    </p:bg>
-    <p:spTree>
-      <p:nvGrpSpPr>
-        <p:cNvPr id="1" name=""/>
-        <p:cNvGrpSpPr/>
-        <p:nvPr/>
-      </p:nvGrpSpPr>
-      <p:grpSpPr>
-        <a:xfrm>
-          <a:off x="0" y="0"/>
-          <a:ext cx="0" cy="0"/>
-          <a:chOff x="0" y="0"/>
-          <a:chExt cx="0" cy="0"/>
-        </a:xfrm>
-      </p:grpSpPr>
-      <p:sp>
-        <p:nvSpPr>
-          <p:cNvPr id="16" name="Rectangle 15">
+        </p:txBody>
+      </p:sp>
+      <p:pic>
+        <p:nvPicPr>
+          <p:cNvPr id="6" name="Picture 5">
             <a:extLst>
               <a:ext uri="{FF2B5EF4-FFF2-40B4-BE49-F238E27FC236}">
-                <a16:creationId xmlns:a16="http://schemas.microsoft.com/office/drawing/2014/main" id="{9E8A3474-A3A2-4200-9E98-3433E3D193E2}"/>
-              </a:ext>
-              <a:ext uri="{C183D7F6-B498-43B3-948B-1728B52AA6E4}">
-                <adec:decorative xmlns:adec="http://schemas.microsoft.com/office/drawing/2017/decorative" val="1"/>
-              </a:ext>
-            </a:extLst>
-          </p:cNvPr>
-          <p:cNvSpPr>
-            <a:spLocks noGrp="1" noRot="1" noChangeAspect="1" noMove="1" noResize="1" noEditPoints="1" noAdjustHandles="1" noChangeArrowheads="1" noChangeShapeType="1" noTextEdit="1"/>
-          </p:cNvSpPr>
-          <p:nvPr>
-            <p:extLst>
-              <p:ext uri="{386F3935-93C4-4BCD-93E2-E3B085C9AB24}">
-                <p16:designElem xmlns:p16="http://schemas.microsoft.com/office/powerpoint/2015/main" val="1"/>
-              </p:ext>
-            </p:extLst>
-          </p:nvPr>
-        </p:nvSpPr>
-        <p:spPr>
-          <a:xfrm>
-            <a:off x="478095" y="376"/>
-            <a:ext cx="228600" cy="6858000"/>
-          </a:xfrm>
-          <a:prstGeom prst="rect">
-            <a:avLst/>
-          </a:prstGeom>
-          <a:solidFill>
-            <a:schemeClr val="tx2"/>
-          </a:solidFill>
-          <a:ln>
-            <a:noFill/>
-          </a:ln>
-        </p:spPr>
-        <p:style>
-          <a:lnRef idx="2">
-            <a:schemeClr val="accent1">
-              <a:shade val="50000"/>
-            </a:schemeClr>
-          </a:lnRef>
-          <a:fillRef idx="1">
-            <a:schemeClr val="accent1"/>
-          </a:fillRef>
-          <a:effectRef idx="0">
-            <a:schemeClr val="accent1"/>
-          </a:effectRef>
-          <a:fontRef idx="minor">
-            <a:schemeClr val="lt1"/>
-          </a:fontRef>
-        </p:style>
-      </p:sp>
-      <p:sp>
-        <p:nvSpPr>
-          <p:cNvPr id="18" name="Rectangle 17">
-            <a:extLst>
-              <a:ext uri="{FF2B5EF4-FFF2-40B4-BE49-F238E27FC236}">
-                <a16:creationId xmlns:a16="http://schemas.microsoft.com/office/drawing/2014/main" id="{9A5A698B-F644-41A9-BD67-6316EDB7A951}"/>
-              </a:ext>
-              <a:ext uri="{C183D7F6-B498-43B3-948B-1728B52AA6E4}">
-                <adec:decorative xmlns:adec="http://schemas.microsoft.com/office/drawing/2017/decorative" val="1"/>
-              </a:ext>
-            </a:extLst>
-          </p:cNvPr>
-          <p:cNvSpPr>
-            <a:spLocks noGrp="1" noRot="1" noChangeAspect="1" noMove="1" noResize="1" noEditPoints="1" noAdjustHandles="1" noChangeArrowheads="1" noChangeShapeType="1" noTextEdit="1"/>
-          </p:cNvSpPr>
-          <p:nvPr>
-            <p:extLst>
-              <p:ext uri="{386F3935-93C4-4BCD-93E2-E3B085C9AB24}">
-                <p16:designElem xmlns:p16="http://schemas.microsoft.com/office/powerpoint/2015/main" val="1"/>
-              </p:ext>
-            </p:extLst>
-          </p:nvPr>
-        </p:nvSpPr>
-        <p:spPr>
-          <a:xfrm>
-            <a:off x="0" y="0"/>
-            <a:ext cx="12192000" cy="6858000"/>
-          </a:xfrm>
-          <a:prstGeom prst="rect">
-            <a:avLst/>
-          </a:prstGeom>
-          <a:solidFill>
-            <a:schemeClr val="bg2"/>
-          </a:solidFill>
-          <a:ln>
-            <a:noFill/>
-          </a:ln>
-        </p:spPr>
-        <p:style>
-          <a:lnRef idx="2">
-            <a:schemeClr val="accent1">
-              <a:shade val="50000"/>
-            </a:schemeClr>
-          </a:lnRef>
-          <a:fillRef idx="1">
-            <a:schemeClr val="accent1"/>
-          </a:fillRef>
-          <a:effectRef idx="0">
-            <a:schemeClr val="accent1"/>
-          </a:effectRef>
-          <a:fontRef idx="minor">
-            <a:schemeClr val="lt1"/>
-          </a:fontRef>
-        </p:style>
-        <p:txBody>
-          <a:bodyPr rtlCol="0" anchor="ctr"/>
-          <a:lstStyle/>
-          <a:p>
-            <a:pPr algn="ctr"/>
-            <a:endParaRPr lang="en-US"/>
-          </a:p>
-        </p:txBody>
-      </p:sp>
-      <p:grpSp>
-        <p:nvGrpSpPr>
-          <p:cNvPr id="20" name="Group 19">
-            <a:extLst>
-              <a:ext uri="{FF2B5EF4-FFF2-40B4-BE49-F238E27FC236}">
-                <a16:creationId xmlns:a16="http://schemas.microsoft.com/office/drawing/2014/main" id="{BA916D8B-8E5E-442C-93D2-F10B324962F3}"/>
-              </a:ext>
-              <a:ext uri="{C183D7F6-B498-43B3-948B-1728B52AA6E4}">
-                <adec:decorative xmlns:adec="http://schemas.microsoft.com/office/drawing/2017/decorative" val="1"/>
-              </a:ext>
-            </a:extLst>
-          </p:cNvPr>
-          <p:cNvGrpSpPr>
-            <a:grpSpLocks noGrp="1" noUngrp="1" noRot="1" noChangeAspect="1" noMove="1" noResize="1"/>
-          </p:cNvGrpSpPr>
-          <p:nvPr>
-            <p:extLst>
-              <p:ext uri="{386F3935-93C4-4BCD-93E2-E3B085C9AB24}">
-                <p16:designElem xmlns:p16="http://schemas.microsoft.com/office/powerpoint/2015/main" val="1"/>
-              </p:ext>
-            </p:extLst>
-          </p:nvPr>
-        </p:nvGrpSpPr>
-        <p:grpSpPr>
-          <a:xfrm>
-            <a:off x="752858" y="744469"/>
-            <a:ext cx="10674117" cy="5349671"/>
-            <a:chOff x="752858" y="744469"/>
-            <a:chExt cx="10674117" cy="5349671"/>
-          </a:xfrm>
-        </p:grpSpPr>
-        <p:sp>
-          <p:nvSpPr>
-            <p:cNvPr id="21" name="Freeform 6">
-              <a:extLst>
-                <a:ext uri="{FF2B5EF4-FFF2-40B4-BE49-F238E27FC236}">
-                  <a16:creationId xmlns:a16="http://schemas.microsoft.com/office/drawing/2014/main" id="{E444B8DA-C76F-4B2F-AFC5-378726411B52}"/>
-                </a:ext>
-                <a:ext uri="{C183D7F6-B498-43B3-948B-1728B52AA6E4}">
-                  <adec:decorative xmlns:adec="http://schemas.microsoft.com/office/drawing/2017/decorative" val="1"/>
-                </a:ext>
-              </a:extLst>
-            </p:cNvPr>
-            <p:cNvSpPr/>
-            <p:nvPr>
-              <p:extLst>
-                <p:ext uri="{386F3935-93C4-4BCD-93E2-E3B085C9AB24}">
-                  <p16:designElem xmlns:p16="http://schemas.microsoft.com/office/powerpoint/2015/main" val="1"/>
-                </p:ext>
-              </p:extLst>
-            </p:nvPr>
-          </p:nvSpPr>
-          <p:spPr bwMode="auto">
-            <a:xfrm>
-              <a:off x="8151962" y="1685652"/>
-              <a:ext cx="3275013" cy="4408488"/>
-            </a:xfrm>
-            <a:custGeom>
-              <a:avLst/>
-              <a:gdLst/>
-              <a:ahLst/>
-              <a:cxnLst/>
-              <a:rect l="l" t="t" r="r" b="b"/>
-              <a:pathLst>
-                <a:path w="10000" h="10000">
-                  <a:moveTo>
-                    <a:pt x="8761" y="0"/>
-                  </a:moveTo>
-                  <a:lnTo>
-                    <a:pt x="10000" y="0"/>
-                  </a:lnTo>
-                  <a:lnTo>
-                    <a:pt x="10000" y="10000"/>
-                  </a:lnTo>
-                  <a:lnTo>
-                    <a:pt x="0" y="10000"/>
-                  </a:lnTo>
-                  <a:lnTo>
-                    <a:pt x="0" y="9126"/>
-                  </a:lnTo>
-                  <a:lnTo>
-                    <a:pt x="8761" y="9127"/>
-                  </a:lnTo>
-                  <a:lnTo>
-                    <a:pt x="8761" y="0"/>
-                  </a:lnTo>
-                  <a:close/>
-                </a:path>
-              </a:pathLst>
-            </a:custGeom>
-            <a:solidFill>
-              <a:schemeClr val="tx2"/>
-            </a:solidFill>
-            <a:ln w="0">
-              <a:noFill/>
-              <a:prstDash val="solid"/>
-              <a:round/>
-              <a:headEnd/>
-              <a:tailEnd/>
-            </a:ln>
-          </p:spPr>
-        </p:sp>
-        <p:sp>
-          <p:nvSpPr>
-            <p:cNvPr id="22" name="Freeform 6">
-              <a:extLst>
-                <a:ext uri="{FF2B5EF4-FFF2-40B4-BE49-F238E27FC236}">
-                  <a16:creationId xmlns:a16="http://schemas.microsoft.com/office/drawing/2014/main" id="{7E2B20CB-FF0A-40D4-9C62-172DA9BB9890}"/>
-                </a:ext>
-                <a:ext uri="{C183D7F6-B498-43B3-948B-1728B52AA6E4}">
-                  <adec:decorative xmlns:adec="http://schemas.microsoft.com/office/drawing/2017/decorative" val="1"/>
-                </a:ext>
-              </a:extLst>
-            </p:cNvPr>
-            <p:cNvSpPr/>
-            <p:nvPr>
-              <p:extLst>
-                <p:ext uri="{386F3935-93C4-4BCD-93E2-E3B085C9AB24}">
-                  <p16:designElem xmlns:p16="http://schemas.microsoft.com/office/powerpoint/2015/main" val="1"/>
-                </p:ext>
-              </p:extLst>
-            </p:nvPr>
-          </p:nvSpPr>
-          <p:spPr bwMode="auto">
-            <a:xfrm flipH="1" flipV="1">
-              <a:off x="752858" y="744469"/>
-              <a:ext cx="3275668" cy="4408488"/>
-            </a:xfrm>
-            <a:custGeom>
-              <a:avLst/>
-              <a:gdLst/>
-              <a:ahLst/>
-              <a:cxnLst/>
-              <a:rect l="l" t="t" r="r" b="b"/>
-              <a:pathLst>
-                <a:path w="10002" h="10000">
-                  <a:moveTo>
-                    <a:pt x="8763" y="0"/>
-                  </a:moveTo>
-                  <a:lnTo>
-                    <a:pt x="10002" y="0"/>
-                  </a:lnTo>
-                  <a:lnTo>
-                    <a:pt x="10002" y="10000"/>
-                  </a:lnTo>
-                  <a:lnTo>
-                    <a:pt x="2" y="10000"/>
-                  </a:lnTo>
-                  <a:cubicBezTo>
-                    <a:pt x="-2" y="9698"/>
-                    <a:pt x="4" y="9427"/>
-                    <a:pt x="0" y="9125"/>
-                  </a:cubicBezTo>
-                  <a:lnTo>
-                    <a:pt x="8763" y="9128"/>
-                  </a:lnTo>
-                  <a:lnTo>
-                    <a:pt x="8763" y="0"/>
-                  </a:lnTo>
-                  <a:close/>
-                </a:path>
-              </a:pathLst>
-            </a:custGeom>
-            <a:solidFill>
-              <a:schemeClr val="tx2"/>
-            </a:solidFill>
-            <a:ln w="0">
-              <a:noFill/>
-              <a:prstDash val="solid"/>
-              <a:round/>
-              <a:headEnd/>
-              <a:tailEnd/>
-            </a:ln>
-          </p:spPr>
-        </p:sp>
-      </p:grpSp>
-      <p:sp>
-        <p:nvSpPr>
-          <p:cNvPr id="24" name="Rectangle 23">
-            <a:extLst>
-              <a:ext uri="{FF2B5EF4-FFF2-40B4-BE49-F238E27FC236}">
-                <a16:creationId xmlns:a16="http://schemas.microsoft.com/office/drawing/2014/main" id="{35E7CCC3-B903-495C-835D-87A78FB05A01}"/>
-              </a:ext>
-              <a:ext uri="{C183D7F6-B498-43B3-948B-1728B52AA6E4}">
-                <adec:decorative xmlns:adec="http://schemas.microsoft.com/office/drawing/2017/decorative" val="1"/>
-              </a:ext>
-            </a:extLst>
-          </p:cNvPr>
-          <p:cNvSpPr>
-            <a:spLocks noGrp="1" noRot="1" noChangeAspect="1" noMove="1" noResize="1" noEditPoints="1" noAdjustHandles="1" noChangeArrowheads="1" noChangeShapeType="1" noTextEdit="1"/>
-          </p:cNvSpPr>
-          <p:nvPr>
-            <p:extLst>
-              <p:ext uri="{386F3935-93C4-4BCD-93E2-E3B085C9AB24}">
-                <p16:designElem xmlns:p16="http://schemas.microsoft.com/office/powerpoint/2015/main" val="1"/>
-              </p:ext>
-            </p:extLst>
-          </p:nvPr>
-        </p:nvSpPr>
-        <p:spPr>
-          <a:xfrm>
-            <a:off x="1000462" y="968188"/>
-            <a:ext cx="5048756" cy="4894232"/>
-          </a:xfrm>
-          <a:prstGeom prst="rect">
-            <a:avLst/>
-          </a:prstGeom>
-          <a:solidFill>
-            <a:srgbClr val="FFFFFF"/>
-          </a:solidFill>
-          <a:ln>
-            <a:noFill/>
-          </a:ln>
-        </p:spPr>
-        <p:style>
-          <a:lnRef idx="2">
-            <a:schemeClr val="accent1">
-              <a:shade val="50000"/>
-            </a:schemeClr>
-          </a:lnRef>
-          <a:fillRef idx="1">
-            <a:schemeClr val="accent1"/>
-          </a:fillRef>
-          <a:effectRef idx="0">
-            <a:schemeClr val="accent1"/>
-          </a:effectRef>
-          <a:fontRef idx="minor">
-            <a:schemeClr val="lt1"/>
-          </a:fontRef>
-        </p:style>
-        <p:txBody>
-          <a:bodyPr rtlCol="0" anchor="ctr"/>
-          <a:lstStyle/>
-          <a:p>
-            <a:pPr algn="ctr"/>
-            <a:endParaRPr lang="en-US"/>
-          </a:p>
-        </p:txBody>
-      </p:sp>
-      <p:pic>
-        <p:nvPicPr>
-          <p:cNvPr id="4" name="Content Placeholder 3">
-            <a:extLst>
-              <a:ext uri="{FF2B5EF4-FFF2-40B4-BE49-F238E27FC236}">
-                <a16:creationId xmlns:a16="http://schemas.microsoft.com/office/drawing/2014/main" id="{DD9CBB7D-4045-4F8E-A093-67C5DCC05B96}"/>
+                <a16:creationId xmlns:a16="http://schemas.microsoft.com/office/drawing/2014/main" id="{BD8A7DD9-34AA-4D53-9445-DE59C7E21147}"/>
               </a:ext>
             </a:extLst>
           </p:cNvPr>
@@ -5448,150 +4915,18 @@
         </p:blipFill>
         <p:spPr>
           <a:xfrm>
-            <a:off x="1468531" y="1289920"/>
-            <a:ext cx="4112616" cy="4250767"/>
+            <a:off x="1219200" y="3790562"/>
+            <a:ext cx="10616162" cy="1791477"/>
           </a:xfrm>
           <a:prstGeom prst="rect">
             <a:avLst/>
           </a:prstGeom>
         </p:spPr>
       </p:pic>
-      <p:sp>
-        <p:nvSpPr>
-          <p:cNvPr id="26" name="Rectangle 25">
-            <a:extLst>
-              <a:ext uri="{FF2B5EF4-FFF2-40B4-BE49-F238E27FC236}">
-                <a16:creationId xmlns:a16="http://schemas.microsoft.com/office/drawing/2014/main" id="{584170D1-B32B-4D7D-AA30-9D84747A0574}"/>
-              </a:ext>
-              <a:ext uri="{C183D7F6-B498-43B3-948B-1728B52AA6E4}">
-                <adec:decorative xmlns:adec="http://schemas.microsoft.com/office/drawing/2017/decorative" val="1"/>
-              </a:ext>
-            </a:extLst>
-          </p:cNvPr>
-          <p:cNvSpPr>
-            <a:spLocks noGrp="1" noRot="1" noChangeAspect="1" noMove="1" noResize="1" noEditPoints="1" noAdjustHandles="1" noChangeArrowheads="1" noChangeShapeType="1" noTextEdit="1"/>
-          </p:cNvSpPr>
-          <p:nvPr>
-            <p:extLst>
-              <p:ext uri="{386F3935-93C4-4BCD-93E2-E3B085C9AB24}">
-                <p16:designElem xmlns:p16="http://schemas.microsoft.com/office/powerpoint/2015/main" val="1"/>
-              </p:ext>
-            </p:extLst>
-          </p:nvPr>
-        </p:nvSpPr>
-        <p:spPr>
-          <a:xfrm>
-            <a:off x="6131270" y="981884"/>
-            <a:ext cx="5048756" cy="4894232"/>
-          </a:xfrm>
-          <a:prstGeom prst="rect">
-            <a:avLst/>
-          </a:prstGeom>
-          <a:solidFill>
-            <a:srgbClr val="FFFFFF"/>
-          </a:solidFill>
-          <a:ln>
-            <a:noFill/>
-          </a:ln>
-        </p:spPr>
-        <p:style>
-          <a:lnRef idx="2">
-            <a:schemeClr val="accent1">
-              <a:shade val="50000"/>
-            </a:schemeClr>
-          </a:lnRef>
-          <a:fillRef idx="1">
-            <a:schemeClr val="accent1"/>
-          </a:fillRef>
-          <a:effectRef idx="0">
-            <a:schemeClr val="accent1"/>
-          </a:effectRef>
-          <a:fontRef idx="minor">
-            <a:schemeClr val="lt1"/>
-          </a:fontRef>
-        </p:style>
-        <p:txBody>
-          <a:bodyPr rtlCol="0" anchor="ctr"/>
-          <a:lstStyle/>
-          <a:p>
-            <a:pPr algn="ctr"/>
-            <a:endParaRPr lang="en-US"/>
-          </a:p>
-        </p:txBody>
-      </p:sp>
-      <p:pic>
-        <p:nvPicPr>
-          <p:cNvPr id="5" name="Content Placeholder 4">
-            <a:extLst>
-              <a:ext uri="{FF2B5EF4-FFF2-40B4-BE49-F238E27FC236}">
-                <a16:creationId xmlns:a16="http://schemas.microsoft.com/office/drawing/2014/main" id="{A2E4E60F-D620-4BD4-802D-3192A94AB29B}"/>
-              </a:ext>
-            </a:extLst>
-          </p:cNvPr>
-          <p:cNvPicPr>
-            <a:picLocks noGrp="1" noChangeAspect="1"/>
-          </p:cNvPicPr>
-          <p:nvPr>
-            <p:ph idx="1"/>
-          </p:nvPr>
-        </p:nvPicPr>
-        <p:blipFill>
-          <a:blip r:embed="rId3"/>
-          <a:stretch>
-            <a:fillRect/>
-          </a:stretch>
-        </p:blipFill>
-        <p:spPr>
-          <a:xfrm>
-            <a:off x="6599339" y="1289920"/>
-            <a:ext cx="4112616" cy="4250767"/>
-          </a:xfrm>
-          <a:prstGeom prst="rect">
-            <a:avLst/>
-          </a:prstGeom>
-        </p:spPr>
-      </p:pic>
-      <p:sp>
-        <p:nvSpPr>
-          <p:cNvPr id="6" name="Rectangle 5">
-            <a:extLst>
-              <a:ext uri="{FF2B5EF4-FFF2-40B4-BE49-F238E27FC236}">
-                <a16:creationId xmlns:a16="http://schemas.microsoft.com/office/drawing/2014/main" id="{D1CA654D-2C07-410B-A120-666DDA00F965}"/>
-              </a:ext>
-            </a:extLst>
-          </p:cNvPr>
-          <p:cNvSpPr/>
-          <p:nvPr/>
-        </p:nvSpPr>
-        <p:spPr>
-          <a:xfrm>
-            <a:off x="1184790" y="6107205"/>
-            <a:ext cx="10242185" cy="369332"/>
-          </a:xfrm>
-          <a:prstGeom prst="rect">
-            <a:avLst/>
-          </a:prstGeom>
-        </p:spPr>
-        <p:txBody>
-          <a:bodyPr wrap="square">
-            <a:spAutoFit/>
-          </a:bodyPr>
-          <a:lstStyle/>
-          <a:p>
-            <a:r>
-              <a:rPr lang="en-US" dirty="0">
-                <a:hlinkClick r:id="rId4"/>
-              </a:rPr>
-              <a:t>https://github.com/Jake25k/CSC439/commit/936dd8c58106aa56d24f16705420f8a74779a960</a:t>
-            </a:r>
-            <a:endParaRPr lang="en-US" dirty="0"/>
-          </a:p>
-        </p:txBody>
-      </p:sp>
     </p:spTree>
     <p:extLst>
       <p:ext uri="{BB962C8B-B14F-4D97-AF65-F5344CB8AC3E}">
-        <p14:creationId xmlns:p14="http://schemas.microsoft.com/office/powerpoint/2010/main" val="1093642818"/>
+        <p14:creationId xmlns:p14="http://schemas.microsoft.com/office/powerpoint/2010/main" val="1534970669"/>
       </p:ext>
     </p:extLst>
   </p:cSld>
@@ -5601,17 +4936,9 @@
 </p:sld>
 </file>
 
-<file path=ppt/slides/slide18.xml><?xml version="1.0" encoding="utf-8"?>
+<file path=ppt/slides/slide17.xml><?xml version="1.0" encoding="utf-8"?>
 <p:sld xmlns:a="http://schemas.openxmlformats.org/drawingml/2006/main" xmlns:r="http://schemas.openxmlformats.org/officeDocument/2006/relationships" xmlns:p="http://schemas.openxmlformats.org/presentationml/2006/main">
   <p:cSld>
-    <p:bg>
-      <p:bgPr>
-        <a:solidFill>
-          <a:schemeClr val="bg2"/>
-        </a:solidFill>
-        <a:effectLst/>
-      </p:bgPr>
-    </p:bg>
     <p:spTree>
       <p:nvGrpSpPr>
         <p:cNvPr id="1" name=""/>
@@ -5631,7 +4958,7 @@
           <p:cNvPr id="2" name="Title 1">
             <a:extLst>
               <a:ext uri="{FF2B5EF4-FFF2-40B4-BE49-F238E27FC236}">
-                <a16:creationId xmlns:a16="http://schemas.microsoft.com/office/drawing/2014/main" id="{01415A97-64CF-479A-8C08-69CE9414607B}"/>
+                <a16:creationId xmlns:a16="http://schemas.microsoft.com/office/drawing/2014/main" id="{B4DB9B26-1FC6-4919-8EBF-49D9E62E29EB}"/>
               </a:ext>
             </a:extLst>
           </p:cNvPr>
@@ -5642,59 +4969,47 @@
             <p:ph type="title"/>
           </p:nvPr>
         </p:nvSpPr>
-        <p:spPr>
-          <a:xfrm>
-            <a:off x="1371600" y="685800"/>
-            <a:ext cx="5427785" cy="1485900"/>
-          </a:xfrm>
-        </p:spPr>
-        <p:txBody>
-          <a:bodyPr>
-            <a:normAutofit/>
-          </a:bodyPr>
+        <p:spPr/>
+        <p:txBody>
+          <a:bodyPr/>
           <a:lstStyle/>
           <a:p>
             <a:r>
               <a:rPr lang="en-US" dirty="0"/>
-              <a:t>Create New User</a:t>
-            </a:r>
-          </a:p>
-        </p:txBody>
-      </p:sp>
-      <p:pic>
-        <p:nvPicPr>
-          <p:cNvPr id="4" name="Content Placeholder 4">
+              <a:t>SCM Manager: Zach Sprague</a:t>
+            </a:r>
+          </a:p>
+        </p:txBody>
+      </p:sp>
+      <p:sp>
+        <p:nvSpPr>
+          <p:cNvPr id="3" name="Content Placeholder 2">
             <a:extLst>
               <a:ext uri="{FF2B5EF4-FFF2-40B4-BE49-F238E27FC236}">
-                <a16:creationId xmlns:a16="http://schemas.microsoft.com/office/drawing/2014/main" id="{432A1234-4810-469C-87A6-7FCD2BD17607}"/>
+                <a16:creationId xmlns:a16="http://schemas.microsoft.com/office/drawing/2014/main" id="{CDDE009F-4471-4F9C-BE83-99E8BEF18B8A}"/>
               </a:ext>
             </a:extLst>
           </p:cNvPr>
-          <p:cNvPicPr>
-            <a:picLocks noChangeAspect="1"/>
-          </p:cNvPicPr>
-          <p:nvPr/>
-        </p:nvPicPr>
-        <p:blipFill>
-          <a:blip r:embed="rId2"/>
-          <a:stretch>
-            <a:fillRect/>
-          </a:stretch>
-        </p:blipFill>
-        <p:spPr>
-          <a:xfrm>
-            <a:off x="5692365" y="1428750"/>
-            <a:ext cx="2597634" cy="5247747"/>
-          </a:xfrm>
-          <a:prstGeom prst="rect">
-            <a:avLst/>
-          </a:prstGeom>
-        </p:spPr>
-      </p:pic>
+          <p:cNvSpPr>
+            <a:spLocks noGrp="1"/>
+          </p:cNvSpPr>
+          <p:nvPr>
+            <p:ph idx="1"/>
+          </p:nvPr>
+        </p:nvSpPr>
+        <p:spPr/>
+        <p:txBody>
+          <a:bodyPr/>
+          <a:lstStyle/>
+          <a:p>
+            <a:endParaRPr lang="en-US" dirty="0"/>
+          </a:p>
+        </p:txBody>
+      </p:sp>
     </p:spTree>
     <p:extLst>
       <p:ext uri="{BB962C8B-B14F-4D97-AF65-F5344CB8AC3E}">
-        <p14:creationId xmlns:p14="http://schemas.microsoft.com/office/powerpoint/2010/main" val="272619349"/>
+        <p14:creationId xmlns:p14="http://schemas.microsoft.com/office/powerpoint/2010/main" val="1468032336"/>
       </p:ext>
     </p:extLst>
   </p:cSld>

--- a/PowerPoint Slides/csc439_sprint3_final.pptx
+++ b/PowerPoint Slides/csc439_sprint3_final.pptx
@@ -22,6 +22,8 @@
     <p:sldId id="268" r:id="rId16"/>
     <p:sldId id="283" r:id="rId17"/>
     <p:sldId id="275" r:id="rId18"/>
+    <p:sldId id="285" r:id="rId19"/>
+    <p:sldId id="286" r:id="rId20"/>
   </p:sldIdLst>
   <p:sldSz cx="12192000" cy="6858000"/>
   <p:notesSz cx="6858000" cy="9144000"/>
@@ -142,6 +144,8 @@
             <p14:sldId id="268"/>
             <p14:sldId id="283"/>
             <p14:sldId id="275"/>
+            <p14:sldId id="285"/>
+            <p14:sldId id="286"/>
           </p14:sldIdLst>
         </p14:section>
         <p14:section name="Untitled Section" id="{033F9596-4340-A24B-84BB-9527C275AEB5}">
@@ -162,6 +166,121 @@
     <p1510:client id="{5228B51B-D744-4EA4-894C-A01941337CCF}" v="52" dt="2019-09-30T14:20:46.741"/>
   </p1510:revLst>
 </p1510:revInfo>
+</file>
+
+<file path=ppt/changesInfos/changesInfo1.xml><?xml version="1.0" encoding="utf-8"?>
+<pc:chgInfo xmlns:a="http://schemas.openxmlformats.org/drawingml/2006/main" xmlns:r="http://schemas.openxmlformats.org/officeDocument/2006/relationships" xmlns:ac="http://schemas.microsoft.com/office/drawing/2013/main/command" xmlns:pc="http://schemas.microsoft.com/office/powerpoint/2013/main/command">
+  <pc:docChgLst>
+    <pc:chgData name="JJ Craig" userId="403dfa2b560c16b3" providerId="LiveId" clId="{ED65A641-CA65-41CA-B6BA-3CE2C6B5B55A}"/>
+    <pc:docChg chg="undo custSel addSld modSld">
+      <pc:chgData name="JJ Craig" userId="403dfa2b560c16b3" providerId="LiveId" clId="{ED65A641-CA65-41CA-B6BA-3CE2C6B5B55A}" dt="2019-09-30T20:03:30.974" v="30" actId="1076"/>
+      <pc:docMkLst>
+        <pc:docMk/>
+      </pc:docMkLst>
+      <pc:sldChg chg="modSp">
+        <pc:chgData name="JJ Craig" userId="403dfa2b560c16b3" providerId="LiveId" clId="{ED65A641-CA65-41CA-B6BA-3CE2C6B5B55A}" dt="2019-09-30T20:01:19.938" v="8" actId="1076"/>
+        <pc:sldMkLst>
+          <pc:docMk/>
+          <pc:sldMk cId="1468032336" sldId="275"/>
+        </pc:sldMkLst>
+        <pc:spChg chg="mod">
+          <ac:chgData name="JJ Craig" userId="403dfa2b560c16b3" providerId="LiveId" clId="{ED65A641-CA65-41CA-B6BA-3CE2C6B5B55A}" dt="2019-09-30T20:01:19.938" v="8" actId="1076"/>
+          <ac:spMkLst>
+            <pc:docMk/>
+            <pc:sldMk cId="1468032336" sldId="275"/>
+            <ac:spMk id="3" creationId="{CDDE009F-4471-4F9C-BE83-99E8BEF18B8A}"/>
+          </ac:spMkLst>
+        </pc:spChg>
+      </pc:sldChg>
+      <pc:sldChg chg="addSp delSp modSp add">
+        <pc:chgData name="JJ Craig" userId="403dfa2b560c16b3" providerId="LiveId" clId="{ED65A641-CA65-41CA-B6BA-3CE2C6B5B55A}" dt="2019-09-30T20:02:54.344" v="23"/>
+        <pc:sldMkLst>
+          <pc:docMk/>
+          <pc:sldMk cId="2784288260" sldId="285"/>
+        </pc:sldMkLst>
+        <pc:spChg chg="del">
+          <ac:chgData name="JJ Craig" userId="403dfa2b560c16b3" providerId="LiveId" clId="{ED65A641-CA65-41CA-B6BA-3CE2C6B5B55A}" dt="2019-09-30T20:01:47.298" v="11" actId="478"/>
+          <ac:spMkLst>
+            <pc:docMk/>
+            <pc:sldMk cId="2784288260" sldId="285"/>
+            <ac:spMk id="2" creationId="{865F2CB3-6183-43D9-9FD8-A58F12E5A6F2}"/>
+          </ac:spMkLst>
+        </pc:spChg>
+        <pc:spChg chg="del">
+          <ac:chgData name="JJ Craig" userId="403dfa2b560c16b3" providerId="LiveId" clId="{ED65A641-CA65-41CA-B6BA-3CE2C6B5B55A}" dt="2019-09-30T20:01:43.559" v="10"/>
+          <ac:spMkLst>
+            <pc:docMk/>
+            <pc:sldMk cId="2784288260" sldId="285"/>
+            <ac:spMk id="3" creationId="{62CD35BA-EBDB-4FDE-B0CA-F0FA094E109F}"/>
+          </ac:spMkLst>
+        </pc:spChg>
+        <pc:spChg chg="add del mod">
+          <ac:chgData name="JJ Craig" userId="403dfa2b560c16b3" providerId="LiveId" clId="{ED65A641-CA65-41CA-B6BA-3CE2C6B5B55A}" dt="2019-09-30T20:02:39.376" v="20"/>
+          <ac:spMkLst>
+            <pc:docMk/>
+            <pc:sldMk cId="2784288260" sldId="285"/>
+            <ac:spMk id="6" creationId="{5395B024-4FF1-4ABB-A939-0503A5555082}"/>
+          </ac:spMkLst>
+        </pc:spChg>
+        <pc:spChg chg="add">
+          <ac:chgData name="JJ Craig" userId="403dfa2b560c16b3" providerId="LiveId" clId="{ED65A641-CA65-41CA-B6BA-3CE2C6B5B55A}" dt="2019-09-30T20:02:54.344" v="23"/>
+          <ac:spMkLst>
+            <pc:docMk/>
+            <pc:sldMk cId="2784288260" sldId="285"/>
+            <ac:spMk id="8" creationId="{AC8438B7-10D6-4E0B-9934-BEABB30422A1}"/>
+          </ac:spMkLst>
+        </pc:spChg>
+        <pc:picChg chg="add del mod">
+          <ac:chgData name="JJ Craig" userId="403dfa2b560c16b3" providerId="LiveId" clId="{ED65A641-CA65-41CA-B6BA-3CE2C6B5B55A}" dt="2019-09-30T20:02:31.841" v="19" actId="478"/>
+          <ac:picMkLst>
+            <pc:docMk/>
+            <pc:sldMk cId="2784288260" sldId="285"/>
+            <ac:picMk id="4" creationId="{E2CAA151-C695-484C-BEF0-6677903E21F1}"/>
+          </ac:picMkLst>
+        </pc:picChg>
+        <pc:picChg chg="add mod">
+          <ac:chgData name="JJ Craig" userId="403dfa2b560c16b3" providerId="LiveId" clId="{ED65A641-CA65-41CA-B6BA-3CE2C6B5B55A}" dt="2019-09-30T20:02:46.236" v="22" actId="1076"/>
+          <ac:picMkLst>
+            <pc:docMk/>
+            <pc:sldMk cId="2784288260" sldId="285"/>
+            <ac:picMk id="7" creationId="{A50CDEE1-FF24-4A91-B0BC-E3A1230BAC9F}"/>
+          </ac:picMkLst>
+        </pc:picChg>
+      </pc:sldChg>
+      <pc:sldChg chg="addSp delSp modSp add">
+        <pc:chgData name="JJ Craig" userId="403dfa2b560c16b3" providerId="LiveId" clId="{ED65A641-CA65-41CA-B6BA-3CE2C6B5B55A}" dt="2019-09-30T20:03:30.974" v="30" actId="1076"/>
+        <pc:sldMkLst>
+          <pc:docMk/>
+          <pc:sldMk cId="571461201" sldId="286"/>
+        </pc:sldMkLst>
+        <pc:spChg chg="del">
+          <ac:chgData name="JJ Craig" userId="403dfa2b560c16b3" providerId="LiveId" clId="{ED65A641-CA65-41CA-B6BA-3CE2C6B5B55A}" dt="2019-09-30T20:03:19.046" v="26" actId="478"/>
+          <ac:spMkLst>
+            <pc:docMk/>
+            <pc:sldMk cId="571461201" sldId="286"/>
+            <ac:spMk id="2" creationId="{879A035D-0538-480F-8239-1E9587BA8B27}"/>
+          </ac:spMkLst>
+        </pc:spChg>
+        <pc:spChg chg="del">
+          <ac:chgData name="JJ Craig" userId="403dfa2b560c16b3" providerId="LiveId" clId="{ED65A641-CA65-41CA-B6BA-3CE2C6B5B55A}" dt="2019-09-30T20:03:14.993" v="25"/>
+          <ac:spMkLst>
+            <pc:docMk/>
+            <pc:sldMk cId="571461201" sldId="286"/>
+            <ac:spMk id="3" creationId="{8F0BBED2-624A-4F79-BBCE-8899DB824DE9}"/>
+          </ac:spMkLst>
+        </pc:spChg>
+        <pc:picChg chg="add mod">
+          <ac:chgData name="JJ Craig" userId="403dfa2b560c16b3" providerId="LiveId" clId="{ED65A641-CA65-41CA-B6BA-3CE2C6B5B55A}" dt="2019-09-30T20:03:30.974" v="30" actId="1076"/>
+          <ac:picMkLst>
+            <pc:docMk/>
+            <pc:sldMk cId="571461201" sldId="286"/>
+            <ac:picMk id="4" creationId="{E5F5212A-2BE9-4CD6-BC25-CCE1BE7EA852}"/>
+          </ac:picMkLst>
+        </pc:picChg>
+      </pc:sldChg>
+    </pc:docChg>
+  </pc:docChgLst>
+</pc:chgInfo>
 </file>
 
 <file path=ppt/slideLayouts/slideLayout1.xml><?xml version="1.0" encoding="utf-8"?>
@@ -4997,10 +5116,77 @@
             <p:ph idx="1"/>
           </p:nvPr>
         </p:nvSpPr>
-        <p:spPr/>
-        <p:txBody>
-          <a:bodyPr/>
+        <p:spPr>
+          <a:xfrm>
+            <a:off x="1295400" y="2152650"/>
+            <a:ext cx="9601200" cy="4410075"/>
+          </a:xfrm>
+        </p:spPr>
+        <p:txBody>
+          <a:bodyPr>
+            <a:normAutofit lnSpcReduction="10000"/>
+          </a:bodyPr>
           <a:lstStyle/>
+          <a:p>
+            <a:r>
+              <a:rPr lang="en-US" dirty="0"/>
+              <a:t>Tasks: </a:t>
+            </a:r>
+            <a:br>
+              <a:rPr lang="en-US" dirty="0"/>
+            </a:br>
+            <a:r>
+              <a:rPr lang="en-US" dirty="0"/>
+              <a:t>1. Add a create new user link on the login form</a:t>
+            </a:r>
+          </a:p>
+          <a:p>
+            <a:endParaRPr lang="en-US" dirty="0"/>
+          </a:p>
+          <a:p>
+            <a:r>
+              <a:rPr lang="en-US" dirty="0"/>
+              <a:t>2. Implemented the login form for users to create accounts if not already signed up</a:t>
+            </a:r>
+          </a:p>
+          <a:p>
+            <a:endParaRPr lang="en-US" dirty="0"/>
+          </a:p>
+          <a:p>
+            <a:r>
+              <a:rPr lang="en-US" dirty="0"/>
+              <a:t>3. Once the user has an account, they can then login with their username and password.</a:t>
+            </a:r>
+          </a:p>
+          <a:p>
+            <a:endParaRPr lang="en-US" dirty="0"/>
+          </a:p>
+          <a:p>
+            <a:r>
+              <a:rPr lang="en-US" dirty="0"/>
+              <a:t>4. For next sprint, the login button needs to switch to logout once a user is logged in. Also to make error messages look more professional.</a:t>
+            </a:r>
+          </a:p>
+          <a:p>
+            <a:endParaRPr lang="en-US" dirty="0"/>
+          </a:p>
+          <a:p>
+            <a:r>
+              <a:rPr lang="en-US" dirty="0"/>
+              <a:t>5. Need to implement password hashing. PostgreSQL uses </a:t>
+            </a:r>
+            <a:r>
+              <a:rPr lang="en-US" dirty="0" err="1"/>
+              <a:t>pg_crypto</a:t>
+            </a:r>
+            <a:r>
+              <a:rPr lang="en-US" dirty="0"/>
+              <a:t> for this.</a:t>
+            </a:r>
+          </a:p>
+          <a:p>
+            <a:endParaRPr lang="en-US" dirty="0"/>
+          </a:p>
           <a:p>
             <a:endParaRPr lang="en-US" dirty="0"/>
           </a:p>
@@ -5010,6 +5196,168 @@
     <p:extLst>
       <p:ext uri="{BB962C8B-B14F-4D97-AF65-F5344CB8AC3E}">
         <p14:creationId xmlns:p14="http://schemas.microsoft.com/office/powerpoint/2010/main" val="1468032336"/>
+      </p:ext>
+    </p:extLst>
+  </p:cSld>
+  <p:clrMapOvr>
+    <a:masterClrMapping/>
+  </p:clrMapOvr>
+</p:sld>
+</file>
+
+<file path=ppt/slides/slide18.xml><?xml version="1.0" encoding="utf-8"?>
+<p:sld xmlns:a="http://schemas.openxmlformats.org/drawingml/2006/main" xmlns:r="http://schemas.openxmlformats.org/officeDocument/2006/relationships" xmlns:p="http://schemas.openxmlformats.org/presentationml/2006/main">
+  <p:cSld>
+    <p:spTree>
+      <p:nvGrpSpPr>
+        <p:cNvPr id="1" name=""/>
+        <p:cNvGrpSpPr/>
+        <p:nvPr/>
+      </p:nvGrpSpPr>
+      <p:grpSpPr>
+        <a:xfrm>
+          <a:off x="0" y="0"/>
+          <a:ext cx="0" cy="0"/>
+          <a:chOff x="0" y="0"/>
+          <a:chExt cx="0" cy="0"/>
+        </a:xfrm>
+      </p:grpSpPr>
+      <p:pic>
+        <p:nvPicPr>
+          <p:cNvPr id="7" name="Content Placeholder 6">
+            <a:extLst>
+              <a:ext uri="{FF2B5EF4-FFF2-40B4-BE49-F238E27FC236}">
+                <a16:creationId xmlns:a16="http://schemas.microsoft.com/office/drawing/2014/main" id="{A50CDEE1-FF24-4A91-B0BC-E3A1230BAC9F}"/>
+              </a:ext>
+            </a:extLst>
+          </p:cNvPr>
+          <p:cNvPicPr>
+            <a:picLocks noGrp="1" noChangeAspect="1"/>
+          </p:cNvPicPr>
+          <p:nvPr>
+            <p:ph idx="1"/>
+          </p:nvPr>
+        </p:nvPicPr>
+        <p:blipFill>
+          <a:blip r:embed="rId2"/>
+          <a:stretch>
+            <a:fillRect/>
+          </a:stretch>
+        </p:blipFill>
+        <p:spPr>
+          <a:xfrm>
+            <a:off x="714560" y="685800"/>
+            <a:ext cx="11338106" cy="5181600"/>
+          </a:xfrm>
+          <a:prstGeom prst="rect">
+            <a:avLst/>
+          </a:prstGeom>
+        </p:spPr>
+      </p:pic>
+      <p:sp>
+        <p:nvSpPr>
+          <p:cNvPr id="8" name="TextBox 7">
+            <a:extLst>
+              <a:ext uri="{FF2B5EF4-FFF2-40B4-BE49-F238E27FC236}">
+                <a16:creationId xmlns:a16="http://schemas.microsoft.com/office/drawing/2014/main" id="{AC8438B7-10D6-4E0B-9934-BEABB30422A1}"/>
+              </a:ext>
+            </a:extLst>
+          </p:cNvPr>
+          <p:cNvSpPr txBox="1"/>
+          <p:nvPr/>
+        </p:nvSpPr>
+        <p:spPr>
+          <a:xfrm>
+            <a:off x="1845425" y="6143105"/>
+            <a:ext cx="8891162" cy="276999"/>
+          </a:xfrm>
+          <a:prstGeom prst="rect">
+            <a:avLst/>
+          </a:prstGeom>
+          <a:noFill/>
+        </p:spPr>
+        <p:txBody>
+          <a:bodyPr wrap="square" rtlCol="0">
+            <a:spAutoFit/>
+          </a:bodyPr>
+          <a:lstStyle/>
+          <a:p>
+            <a:r>
+              <a:rPr lang="en-US" sz="1200" dirty="0">
+                <a:hlinkClick r:id="rId3"/>
+              </a:rPr>
+              <a:t>https://github.com/Jake25k/CSC439/commit/936dd8c58106aa56d24f16705420f8a74779a960</a:t>
+            </a:r>
+            <a:endParaRPr lang="en-US" sz="1200" dirty="0"/>
+          </a:p>
+        </p:txBody>
+      </p:sp>
+    </p:spTree>
+    <p:extLst>
+      <p:ext uri="{BB962C8B-B14F-4D97-AF65-F5344CB8AC3E}">
+        <p14:creationId xmlns:p14="http://schemas.microsoft.com/office/powerpoint/2010/main" val="2784288260"/>
+      </p:ext>
+    </p:extLst>
+  </p:cSld>
+  <p:clrMapOvr>
+    <a:masterClrMapping/>
+  </p:clrMapOvr>
+</p:sld>
+</file>
+
+<file path=ppt/slides/slide19.xml><?xml version="1.0" encoding="utf-8"?>
+<p:sld xmlns:a="http://schemas.openxmlformats.org/drawingml/2006/main" xmlns:r="http://schemas.openxmlformats.org/officeDocument/2006/relationships" xmlns:p="http://schemas.openxmlformats.org/presentationml/2006/main">
+  <p:cSld>
+    <p:spTree>
+      <p:nvGrpSpPr>
+        <p:cNvPr id="1" name=""/>
+        <p:cNvGrpSpPr/>
+        <p:nvPr/>
+      </p:nvGrpSpPr>
+      <p:grpSpPr>
+        <a:xfrm>
+          <a:off x="0" y="0"/>
+          <a:ext cx="0" cy="0"/>
+          <a:chOff x="0" y="0"/>
+          <a:chExt cx="0" cy="0"/>
+        </a:xfrm>
+      </p:grpSpPr>
+      <p:pic>
+        <p:nvPicPr>
+          <p:cNvPr id="4" name="Content Placeholder 3">
+            <a:extLst>
+              <a:ext uri="{FF2B5EF4-FFF2-40B4-BE49-F238E27FC236}">
+                <a16:creationId xmlns:a16="http://schemas.microsoft.com/office/drawing/2014/main" id="{E5F5212A-2BE9-4CD6-BC25-CCE1BE7EA852}"/>
+              </a:ext>
+            </a:extLst>
+          </p:cNvPr>
+          <p:cNvPicPr>
+            <a:picLocks noGrp="1" noChangeAspect="1"/>
+          </p:cNvPicPr>
+          <p:nvPr>
+            <p:ph idx="1"/>
+          </p:nvPr>
+        </p:nvPicPr>
+        <p:blipFill>
+          <a:blip r:embed="rId2"/>
+          <a:stretch>
+            <a:fillRect/>
+          </a:stretch>
+        </p:blipFill>
+        <p:spPr>
+          <a:xfrm>
+            <a:off x="646453" y="209550"/>
+            <a:ext cx="11383621" cy="6438900"/>
+          </a:xfrm>
+          <a:prstGeom prst="rect">
+            <a:avLst/>
+          </a:prstGeom>
+        </p:spPr>
+      </p:pic>
+    </p:spTree>
+    <p:extLst>
+      <p:ext uri="{BB962C8B-B14F-4D97-AF65-F5344CB8AC3E}">
+        <p14:creationId xmlns:p14="http://schemas.microsoft.com/office/powerpoint/2010/main" val="571461201"/>
       </p:ext>
     </p:extLst>
   </p:cSld>

--- a/PowerPoint Slides/csc439_sprint3_final.pptx
+++ b/PowerPoint Slides/csc439_sprint3_final.pptx
@@ -173,7 +173,7 @@
   <pc:docChgLst>
     <pc:chgData name="JJ Craig" userId="403dfa2b560c16b3" providerId="LiveId" clId="{ED65A641-CA65-41CA-B6BA-3CE2C6B5B55A}"/>
     <pc:docChg chg="undo custSel addSld modSld">
-      <pc:chgData name="JJ Craig" userId="403dfa2b560c16b3" providerId="LiveId" clId="{ED65A641-CA65-41CA-B6BA-3CE2C6B5B55A}" dt="2019-09-30T20:03:30.974" v="30" actId="1076"/>
+      <pc:chgData name="JJ Craig" userId="403dfa2b560c16b3" providerId="LiveId" clId="{ED65A641-CA65-41CA-B6BA-3CE2C6B5B55A}" dt="2019-09-30T22:03:55.495" v="34" actId="6549"/>
       <pc:docMkLst>
         <pc:docMk/>
       </pc:docMkLst>
@@ -189,6 +189,29 @@
             <pc:docMk/>
             <pc:sldMk cId="1468032336" sldId="275"/>
             <ac:spMk id="3" creationId="{CDDE009F-4471-4F9C-BE83-99E8BEF18B8A}"/>
+          </ac:spMkLst>
+        </pc:spChg>
+      </pc:sldChg>
+      <pc:sldChg chg="modSp">
+        <pc:chgData name="JJ Craig" userId="403dfa2b560c16b3" providerId="LiveId" clId="{ED65A641-CA65-41CA-B6BA-3CE2C6B5B55A}" dt="2019-09-30T22:03:55.495" v="34" actId="6549"/>
+        <pc:sldMkLst>
+          <pc:docMk/>
+          <pc:sldMk cId="1620029196" sldId="277"/>
+        </pc:sldMkLst>
+        <pc:spChg chg="mod">
+          <ac:chgData name="JJ Craig" userId="403dfa2b560c16b3" providerId="LiveId" clId="{ED65A641-CA65-41CA-B6BA-3CE2C6B5B55A}" dt="2019-09-30T22:03:45.410" v="32" actId="20577"/>
+          <ac:spMkLst>
+            <pc:docMk/>
+            <pc:sldMk cId="1620029196" sldId="277"/>
+            <ac:spMk id="11" creationId="{001A7779-AAED-4AC5-ABC2-0C5411162929}"/>
+          </ac:spMkLst>
+        </pc:spChg>
+        <pc:spChg chg="mod">
+          <ac:chgData name="JJ Craig" userId="403dfa2b560c16b3" providerId="LiveId" clId="{ED65A641-CA65-41CA-B6BA-3CE2C6B5B55A}" dt="2019-09-30T22:03:55.495" v="34" actId="6549"/>
+          <ac:spMkLst>
+            <pc:docMk/>
+            <pc:sldMk cId="1620029196" sldId="277"/>
+            <ac:spMk id="12" creationId="{A8C44741-7F38-4DCD-BB5D-CF7E730283A9}"/>
           </ac:spMkLst>
         </pc:spChg>
       </pc:sldChg>
@@ -5892,7 +5915,7 @@
         <p:spPr>
           <a:xfrm>
             <a:off x="728134" y="1257035"/>
-            <a:ext cx="4360333" cy="5262979"/>
+            <a:ext cx="4360333" cy="4339650"/>
           </a:xfrm>
           <a:prstGeom prst="rect">
             <a:avLst/>
@@ -5945,72 +5968,6 @@
             <a:r>
               <a:rPr lang="en-US" sz="1200" dirty="0"/>
               <a:t>}else{</a:t>
-            </a:r>
-          </a:p>
-          <a:p>
-            <a:r>
-              <a:rPr lang="en-US" sz="1200" dirty="0"/>
-              <a:t>	$</a:t>
-            </a:r>
-            <a:r>
-              <a:rPr lang="en-US" sz="1200" dirty="0" err="1"/>
-              <a:t>db_con</a:t>
-            </a:r>
-            <a:r>
-              <a:rPr lang="en-US" sz="1200" dirty="0"/>
-              <a:t> = </a:t>
-            </a:r>
-            <a:r>
-              <a:rPr lang="en-US" sz="1200" dirty="0" err="1"/>
-              <a:t>pg_connect</a:t>
-            </a:r>
-            <a:r>
-              <a:rPr lang="en-US" sz="1200" dirty="0"/>
-              <a:t>(</a:t>
-            </a:r>
-            <a:r>
-              <a:rPr lang="en-US" sz="1200" dirty="0">
-                <a:highlight>
-                  <a:srgbClr val="000000"/>
-                </a:highlight>
-              </a:rPr>
-              <a:t>"host=ec2-54-235-100-99.compute-1.amazonaws.com port=5432 </a:t>
-            </a:r>
-            <a:r>
-              <a:rPr lang="en-US" sz="1200" dirty="0" err="1">
-                <a:highlight>
-                  <a:srgbClr val="000000"/>
-                </a:highlight>
-              </a:rPr>
-              <a:t>dbname</a:t>
-            </a:r>
-            <a:r>
-              <a:rPr lang="en-US" sz="1200" dirty="0">
-                <a:highlight>
-                  <a:srgbClr val="000000"/>
-                </a:highlight>
-              </a:rPr>
-              <a:t>=db8u3gdkjq4l6i user=</a:t>
-            </a:r>
-            <a:r>
-              <a:rPr lang="en-US" sz="1200" dirty="0" err="1">
-                <a:highlight>
-                  <a:srgbClr val="000000"/>
-                </a:highlight>
-              </a:rPr>
-              <a:t>oihnrigiktbsug</a:t>
-            </a:r>
-            <a:r>
-              <a:rPr lang="en-US" sz="1200" dirty="0">
-                <a:highlight>
-                  <a:srgbClr val="000000"/>
-                </a:highlight>
-              </a:rPr>
-              <a:t> password=03f8fa546db912cfc133c1faa898ef14cd26324691f4ba13ee09d89db73c9e8f"</a:t>
-            </a:r>
-            <a:r>
-              <a:rPr lang="en-US" sz="1200" dirty="0"/>
-              <a:t>);</a:t>
             </a:r>
           </a:p>
           <a:p>
@@ -6166,7 +6123,7 @@
         <p:spPr>
           <a:xfrm>
             <a:off x="5241184" y="1252802"/>
-            <a:ext cx="6266394" cy="4708981"/>
+            <a:ext cx="6266394" cy="5447645"/>
           </a:xfrm>
           <a:prstGeom prst="rect">
             <a:avLst/>
@@ -6227,6 +6184,40 @@
           <a:p>
             <a:r>
               <a:rPr lang="en-US" sz="1200" dirty="0"/>
+              <a:t>	</a:t>
+            </a:r>
+          </a:p>
+          <a:p>
+            <a:r>
+              <a:rPr lang="en-US" sz="1200" dirty="0"/>
+              <a:t>	echo '&lt;a </a:t>
+            </a:r>
+            <a:r>
+              <a:rPr lang="en-US" sz="1200" dirty="0" err="1"/>
+              <a:t>href</a:t>
+            </a:r>
+            <a:r>
+              <a:rPr lang="en-US" sz="1200" dirty="0"/>
+              <a:t>="</a:t>
+            </a:r>
+            <a:r>
+              <a:rPr lang="en-US" sz="1200" dirty="0" err="1"/>
+              <a:t>books.php?s</a:t>
+            </a:r>
+            <a:r>
+              <a:rPr lang="en-US" sz="1200" dirty="0"/>
+              <a:t>=0&amp;p=' . $pages . '"&gt;First&lt;/a&gt;		';</a:t>
+            </a:r>
+          </a:p>
+          <a:p>
+            <a:r>
+              <a:rPr lang="en-US" sz="1200" dirty="0"/>
+              <a:t>	</a:t>
+            </a:r>
+          </a:p>
+          <a:p>
+            <a:r>
+              <a:rPr lang="en-US" sz="1200" dirty="0"/>
               <a:t>	if($</a:t>
             </a:r>
             <a:r>
@@ -6317,7 +6308,7 @@
           <a:p>
             <a:r>
               <a:rPr lang="en-US" sz="1200" dirty="0"/>
-              <a:t>			$i . '    ';</a:t>
+              <a:t>			echo $i . '		';</a:t>
             </a:r>
           </a:p>
           <a:p>
@@ -6389,14 +6380,37 @@
           <a:p>
             <a:r>
               <a:rPr lang="en-US" sz="1200" dirty="0"/>
+              <a:t>	echo '&lt;a </a:t>
+            </a:r>
+            <a:r>
+              <a:rPr lang="en-US" sz="1200" dirty="0" err="1"/>
+              <a:t>href</a:t>
+            </a:r>
+            <a:r>
+              <a:rPr lang="en-US" sz="1200" dirty="0"/>
+              <a:t>="</a:t>
+            </a:r>
+            <a:r>
+              <a:rPr lang="en-US" sz="1200" dirty="0" err="1"/>
+              <a:t>books.php?s</a:t>
+            </a:r>
+            <a:r>
+              <a:rPr lang="en-US" sz="1200" dirty="0"/>
+              <a:t>=' . (($pages - 1) * $display) . '&amp;p=' . $pages . '"&gt;Last&lt;/a&gt;'; </a:t>
+            </a:r>
+          </a:p>
+          <a:p>
+            <a:r>
+              <a:rPr lang="en-US" sz="1200" dirty="0"/>
               <a:t>	echo '&lt;/p&gt;';</a:t>
             </a:r>
           </a:p>
           <a:p>
             <a:r>
-              <a:rPr lang="en-US" sz="1200" dirty="0"/>
+              <a:rPr lang="en-US" sz="1200"/>
               <a:t>}</a:t>
             </a:r>
+            <a:endParaRPr lang="en-US" sz="1200" dirty="0"/>
           </a:p>
         </p:txBody>
       </p:sp>
